--- a/_Organisation/Präsentation/Voodoo_PP3.pptx
+++ b/_Organisation/Präsentation/Voodoo_PP3.pptx
@@ -5,15 +5,16 @@
     <p:sldMasterId id="2147484217" r:id="rId1"/>
   </p:sldMasterIdLst>
   <p:notesMasterIdLst>
-    <p:notesMasterId r:id="rId8"/>
+    <p:notesMasterId r:id="rId9"/>
   </p:notesMasterIdLst>
   <p:sldIdLst>
     <p:sldId id="256" r:id="rId2"/>
     <p:sldId id="263" r:id="rId3"/>
     <p:sldId id="259" r:id="rId4"/>
-    <p:sldId id="261" r:id="rId5"/>
+    <p:sldId id="267" r:id="rId5"/>
     <p:sldId id="266" r:id="rId6"/>
-    <p:sldId id="265" r:id="rId7"/>
+    <p:sldId id="261" r:id="rId7"/>
+    <p:sldId id="265" r:id="rId8"/>
   </p:sldIdLst>
   <p:sldSz cx="9144000" cy="5143500" type="screen16x9"/>
   <p:notesSz cx="6858000" cy="9144000"/>
@@ -526,12 +527,49 @@
           <a:p>
             <a:r>
               <a:rPr lang="de-DE" dirty="0"/>
-              <a:t>Hallo und willkommen zu Gate 2 von Doll 13,</a:t>
-            </a:r>
-            <a:r>
-              <a:rPr lang="de-DE" baseline="0" dirty="0"/>
-              <a:t> ehemals bekannt unter dem Namen „Voodoo“.</a:t>
-            </a:r>
+              <a:t>Hello and </a:t>
+            </a:r>
+            <a:r>
+              <a:rPr lang="de-DE" dirty="0" err="1"/>
+              <a:t>welcome</a:t>
+            </a:r>
+            <a:r>
+              <a:rPr lang="de-DE" dirty="0"/>
+              <a:t> </a:t>
+            </a:r>
+            <a:r>
+              <a:rPr lang="de-DE" dirty="0" err="1"/>
+              <a:t>to</a:t>
+            </a:r>
+            <a:r>
+              <a:rPr lang="de-DE" dirty="0"/>
+              <a:t> </a:t>
+            </a:r>
+            <a:r>
+              <a:rPr lang="de-DE" dirty="0" err="1"/>
+              <a:t>our</a:t>
+            </a:r>
+            <a:r>
+              <a:rPr lang="de-DE" dirty="0"/>
+              <a:t> Goldmaster </a:t>
+            </a:r>
+            <a:r>
+              <a:rPr lang="de-DE" dirty="0" err="1"/>
+              <a:t>presentation</a:t>
+            </a:r>
+            <a:r>
+              <a:rPr lang="de-DE" dirty="0"/>
+              <a:t> </a:t>
+            </a:r>
+            <a:r>
+              <a:rPr lang="de-DE" dirty="0" err="1"/>
+              <a:t>of</a:t>
+            </a:r>
+            <a:r>
+              <a:rPr lang="de-DE" dirty="0"/>
+              <a:t> „Doll 13“.</a:t>
+            </a:r>
+            <a:endParaRPr lang="de-DE" baseline="0" dirty="0"/>
           </a:p>
           <a:p>
             <a:endParaRPr lang="de-DE" dirty="0"/>
@@ -1836,1163 +1874,6 @@
           <a:bodyPr/>
           <a:lstStyle/>
           <a:p>
-            <a:r>
-              <a:rPr lang="en-US" baseline="0" dirty="0" err="1"/>
-              <a:t>Bei</a:t>
-            </a:r>
-            <a:r>
-              <a:rPr lang="en-US" baseline="0" dirty="0"/>
-              <a:t> Gate 1 </a:t>
-            </a:r>
-            <a:r>
-              <a:rPr lang="en-US" baseline="0" dirty="0" err="1"/>
-              <a:t>hatten</a:t>
-            </a:r>
-            <a:r>
-              <a:rPr lang="en-US" baseline="0" dirty="0"/>
-              <a:t> </a:t>
-            </a:r>
-            <a:r>
-              <a:rPr lang="en-US" baseline="0" dirty="0" err="1"/>
-              <a:t>wir</a:t>
-            </a:r>
-            <a:r>
-              <a:rPr lang="en-US" baseline="0" dirty="0"/>
-              <a:t> </a:t>
-            </a:r>
-            <a:r>
-              <a:rPr lang="en-US" baseline="0" dirty="0" err="1"/>
-              <a:t>euch</a:t>
-            </a:r>
-            <a:r>
-              <a:rPr lang="en-US" baseline="0" dirty="0"/>
-              <a:t> </a:t>
-            </a:r>
-            <a:r>
-              <a:rPr lang="en-US" baseline="0" dirty="0" err="1"/>
-              <a:t>versprochen</a:t>
-            </a:r>
-            <a:r>
-              <a:rPr lang="en-US" baseline="0" dirty="0"/>
-              <a:t>, </a:t>
-            </a:r>
-            <a:r>
-              <a:rPr lang="en-US" baseline="0" dirty="0" err="1"/>
-              <a:t>dass</a:t>
-            </a:r>
-            <a:r>
-              <a:rPr lang="en-US" baseline="0" dirty="0"/>
-              <a:t> </a:t>
-            </a:r>
-            <a:r>
-              <a:rPr lang="en-US" baseline="0" dirty="0" err="1"/>
-              <a:t>wir</a:t>
-            </a:r>
-            <a:r>
-              <a:rPr lang="en-US" baseline="0" dirty="0"/>
-              <a:t> </a:t>
-            </a:r>
-            <a:r>
-              <a:rPr lang="en-US" baseline="0" dirty="0" err="1"/>
-              <a:t>euch</a:t>
-            </a:r>
-            <a:r>
-              <a:rPr lang="en-US" baseline="0" dirty="0"/>
-              <a:t> </a:t>
-            </a:r>
-            <a:r>
-              <a:rPr lang="en-US" baseline="0" dirty="0" err="1"/>
-              <a:t>heute</a:t>
-            </a:r>
-            <a:r>
-              <a:rPr lang="en-US" baseline="0" dirty="0"/>
-              <a:t> </a:t>
-            </a:r>
-            <a:r>
-              <a:rPr lang="en-US" baseline="0" dirty="0" err="1"/>
-              <a:t>ein</a:t>
-            </a:r>
-            <a:r>
-              <a:rPr lang="en-US" baseline="0" dirty="0"/>
-              <a:t> </a:t>
-            </a:r>
-            <a:r>
-              <a:rPr lang="en-US" baseline="0" dirty="0" err="1"/>
-              <a:t>zweites</a:t>
-            </a:r>
-            <a:r>
-              <a:rPr lang="en-US" baseline="0" dirty="0"/>
-              <a:t> Level, </a:t>
-            </a:r>
-            <a:r>
-              <a:rPr lang="en-US" baseline="0" dirty="0" err="1"/>
-              <a:t>naemlich</a:t>
-            </a:r>
-            <a:r>
-              <a:rPr lang="en-US" baseline="0" dirty="0"/>
-              <a:t> das Labor, </a:t>
-            </a:r>
-            <a:r>
-              <a:rPr lang="en-US" baseline="0" dirty="0" err="1"/>
-              <a:t>zeigen</a:t>
-            </a:r>
-            <a:r>
-              <a:rPr lang="en-US" baseline="0" dirty="0"/>
-              <a:t> und dieses </a:t>
-            </a:r>
-            <a:r>
-              <a:rPr lang="en-US" baseline="0" dirty="0" err="1"/>
-              <a:t>Versprechen</a:t>
-            </a:r>
-            <a:r>
-              <a:rPr lang="en-US" baseline="0" dirty="0"/>
-              <a:t> </a:t>
-            </a:r>
-            <a:r>
-              <a:rPr lang="en-US" baseline="0" dirty="0" err="1"/>
-              <a:t>koennen</a:t>
-            </a:r>
-            <a:r>
-              <a:rPr lang="en-US" baseline="0" dirty="0"/>
-              <a:t> </a:t>
-            </a:r>
-            <a:r>
-              <a:rPr lang="en-US" baseline="0" dirty="0" err="1"/>
-              <a:t>wir</a:t>
-            </a:r>
-            <a:r>
-              <a:rPr lang="en-US" baseline="0" dirty="0"/>
-              <a:t> </a:t>
-            </a:r>
-            <a:r>
-              <a:rPr lang="en-US" baseline="0" dirty="0" err="1"/>
-              <a:t>auch</a:t>
-            </a:r>
-            <a:r>
-              <a:rPr lang="en-US" baseline="0" dirty="0"/>
-              <a:t> </a:t>
-            </a:r>
-            <a:r>
-              <a:rPr lang="en-US" baseline="0" dirty="0" err="1"/>
-              <a:t>einhalten</a:t>
-            </a:r>
-            <a:r>
-              <a:rPr lang="en-US" baseline="0" dirty="0"/>
-              <a:t>. </a:t>
-            </a:r>
-            <a:r>
-              <a:rPr lang="en-US" baseline="0" dirty="0" err="1"/>
-              <a:t>Zusaetzlich</a:t>
-            </a:r>
-            <a:r>
-              <a:rPr lang="en-US" baseline="0" dirty="0"/>
-              <a:t> </a:t>
-            </a:r>
-            <a:r>
-              <a:rPr lang="en-US" baseline="0" dirty="0" err="1"/>
-              <a:t>werdet</a:t>
-            </a:r>
-            <a:r>
-              <a:rPr lang="en-US" baseline="0" dirty="0"/>
-              <a:t> </a:t>
-            </a:r>
-            <a:r>
-              <a:rPr lang="en-US" baseline="0" dirty="0" err="1"/>
-              <a:t>ihr</a:t>
-            </a:r>
-            <a:r>
-              <a:rPr lang="en-US" baseline="0" dirty="0"/>
-              <a:t> </a:t>
-            </a:r>
-            <a:r>
-              <a:rPr lang="en-US" baseline="0" dirty="0" err="1"/>
-              <a:t>auch</a:t>
-            </a:r>
-            <a:r>
-              <a:rPr lang="en-US" baseline="0" dirty="0"/>
-              <a:t> das </a:t>
-            </a:r>
-            <a:r>
-              <a:rPr lang="en-US" baseline="0" dirty="0" err="1"/>
-              <a:t>mittlerweile</a:t>
-            </a:r>
-            <a:r>
-              <a:rPr lang="en-US" baseline="0" dirty="0"/>
-              <a:t> </a:t>
-            </a:r>
-            <a:r>
-              <a:rPr lang="en-US" baseline="0" dirty="0" err="1"/>
-              <a:t>eingerichtete</a:t>
-            </a:r>
-            <a:r>
-              <a:rPr lang="en-US" baseline="0" dirty="0"/>
-              <a:t> </a:t>
-            </a:r>
-            <a:r>
-              <a:rPr lang="en-US" baseline="0" dirty="0" err="1"/>
-              <a:t>Buero</a:t>
-            </a:r>
-            <a:r>
-              <a:rPr lang="en-US" baseline="0" dirty="0"/>
-              <a:t> </a:t>
-            </a:r>
-            <a:r>
-              <a:rPr lang="en-US" baseline="0" dirty="0" err="1"/>
-              <a:t>vom</a:t>
-            </a:r>
-            <a:r>
-              <a:rPr lang="en-US" baseline="0" dirty="0"/>
-              <a:t> </a:t>
-            </a:r>
-            <a:r>
-              <a:rPr lang="en-US" baseline="0" dirty="0" err="1"/>
-              <a:t>letzten</a:t>
-            </a:r>
-            <a:r>
-              <a:rPr lang="en-US" baseline="0" dirty="0"/>
-              <a:t> Mal </a:t>
-            </a:r>
-            <a:r>
-              <a:rPr lang="en-US" baseline="0" dirty="0" err="1"/>
-              <a:t>sehen</a:t>
-            </a:r>
-            <a:r>
-              <a:rPr lang="en-US" baseline="0" dirty="0"/>
-              <a:t>. </a:t>
-            </a:r>
-            <a:br>
-              <a:rPr lang="en-US" baseline="0" dirty="0"/>
-            </a:br>
-            <a:r>
-              <a:rPr lang="en-US" baseline="0" dirty="0" err="1"/>
-              <a:t>Als</a:t>
-            </a:r>
-            <a:r>
-              <a:rPr lang="en-US" baseline="0" dirty="0"/>
-              <a:t> </a:t>
-            </a:r>
-            <a:r>
-              <a:rPr lang="en-US" baseline="0" dirty="0" err="1"/>
-              <a:t>zweites</a:t>
-            </a:r>
-            <a:r>
-              <a:rPr lang="en-US" baseline="0" dirty="0"/>
-              <a:t> </a:t>
-            </a:r>
-            <a:r>
-              <a:rPr lang="en-US" baseline="0" dirty="0" err="1"/>
-              <a:t>Ziel</a:t>
-            </a:r>
-            <a:r>
-              <a:rPr lang="en-US" baseline="0" dirty="0"/>
-              <a:t> </a:t>
-            </a:r>
-            <a:r>
-              <a:rPr lang="en-US" baseline="0" dirty="0" err="1"/>
-              <a:t>hatten</a:t>
-            </a:r>
-            <a:r>
-              <a:rPr lang="en-US" baseline="0" dirty="0"/>
-              <a:t> </a:t>
-            </a:r>
-            <a:r>
-              <a:rPr lang="en-US" baseline="0" dirty="0" err="1"/>
-              <a:t>wir</a:t>
-            </a:r>
-            <a:r>
-              <a:rPr lang="en-US" baseline="0" dirty="0"/>
-              <a:t> </a:t>
-            </a:r>
-            <a:r>
-              <a:rPr lang="en-US" baseline="0" dirty="0" err="1"/>
-              <a:t>angegeben</a:t>
-            </a:r>
-            <a:r>
-              <a:rPr lang="en-US" baseline="0" dirty="0"/>
-              <a:t>, </a:t>
-            </a:r>
-            <a:r>
-              <a:rPr lang="en-US" baseline="0" dirty="0" err="1"/>
-              <a:t>dass</a:t>
-            </a:r>
-            <a:r>
-              <a:rPr lang="en-US" baseline="0" dirty="0"/>
-              <a:t> </a:t>
-            </a:r>
-            <a:r>
-              <a:rPr lang="en-US" baseline="0" dirty="0" err="1"/>
-              <a:t>wir</a:t>
-            </a:r>
-            <a:r>
-              <a:rPr lang="en-US" baseline="0" dirty="0"/>
-              <a:t> </a:t>
-            </a:r>
-            <a:r>
-              <a:rPr lang="en-US" baseline="0" dirty="0" err="1"/>
-              <a:t>euch</a:t>
-            </a:r>
-            <a:r>
-              <a:rPr lang="en-US" baseline="0" dirty="0"/>
-              <a:t> in den </a:t>
-            </a:r>
-            <a:r>
-              <a:rPr lang="en-US" baseline="0" dirty="0" err="1"/>
-              <a:t>beiden</a:t>
-            </a:r>
-            <a:r>
-              <a:rPr lang="en-US" baseline="0" dirty="0"/>
-              <a:t> </a:t>
-            </a:r>
-            <a:r>
-              <a:rPr lang="en-US" baseline="0" dirty="0" err="1"/>
-              <a:t>Leveln</a:t>
-            </a:r>
-            <a:r>
-              <a:rPr lang="en-US" baseline="0" dirty="0"/>
-              <a:t> die </a:t>
-            </a:r>
-            <a:r>
-              <a:rPr lang="en-US" baseline="0" dirty="0" err="1"/>
-              <a:t>passenden</a:t>
-            </a:r>
-            <a:r>
-              <a:rPr lang="en-US" baseline="0" dirty="0"/>
-              <a:t> </a:t>
-            </a:r>
-            <a:r>
-              <a:rPr lang="en-US" baseline="0" dirty="0" err="1"/>
-              <a:t>Texturen</a:t>
-            </a:r>
-            <a:r>
-              <a:rPr lang="en-US" baseline="0" dirty="0"/>
-              <a:t> </a:t>
-            </a:r>
-            <a:r>
-              <a:rPr lang="en-US" baseline="0" dirty="0" err="1"/>
-              <a:t>sowie</a:t>
-            </a:r>
-            <a:r>
-              <a:rPr lang="en-US" baseline="0" dirty="0"/>
-              <a:t> </a:t>
-            </a:r>
-            <a:r>
-              <a:rPr lang="en-US" baseline="0" dirty="0" err="1"/>
-              <a:t>auch</a:t>
-            </a:r>
-            <a:r>
-              <a:rPr lang="en-US" baseline="0" dirty="0"/>
-              <a:t> die Basis-</a:t>
-            </a:r>
-            <a:r>
-              <a:rPr lang="en-US" baseline="0" dirty="0" err="1"/>
-              <a:t>Animationen</a:t>
-            </a:r>
-            <a:r>
-              <a:rPr lang="en-US" baseline="0" dirty="0"/>
-              <a:t> des </a:t>
-            </a:r>
-            <a:r>
-              <a:rPr lang="en-US" baseline="0" dirty="0" err="1"/>
-              <a:t>Haupt-Charakters</a:t>
-            </a:r>
-            <a:r>
-              <a:rPr lang="en-US" baseline="0" dirty="0"/>
-              <a:t> </a:t>
-            </a:r>
-            <a:r>
-              <a:rPr lang="en-US" baseline="0" dirty="0" err="1"/>
-              <a:t>zeigen</a:t>
-            </a:r>
-            <a:r>
-              <a:rPr lang="en-US" baseline="0" dirty="0"/>
-              <a:t> und das </a:t>
-            </a:r>
-            <a:r>
-              <a:rPr lang="en-US" baseline="0" dirty="0" err="1"/>
-              <a:t>werdet</a:t>
-            </a:r>
-            <a:r>
-              <a:rPr lang="en-US" baseline="0" dirty="0"/>
-              <a:t> </a:t>
-            </a:r>
-            <a:r>
-              <a:rPr lang="en-US" baseline="0" dirty="0" err="1"/>
-              <a:t>ihr</a:t>
-            </a:r>
-            <a:r>
-              <a:rPr lang="en-US" baseline="0" dirty="0"/>
-              <a:t> </a:t>
-            </a:r>
-            <a:r>
-              <a:rPr lang="en-US" baseline="0" dirty="0" err="1"/>
-              <a:t>ebenfalls</a:t>
-            </a:r>
-            <a:r>
-              <a:rPr lang="en-US" baseline="0" dirty="0"/>
-              <a:t> </a:t>
-            </a:r>
-            <a:r>
-              <a:rPr lang="en-US" baseline="0" dirty="0" err="1"/>
-              <a:t>gleich</a:t>
-            </a:r>
-            <a:r>
-              <a:rPr lang="en-US" baseline="0" dirty="0"/>
-              <a:t> </a:t>
-            </a:r>
-            <a:r>
-              <a:rPr lang="en-US" baseline="0" dirty="0" err="1"/>
-              <a:t>sehen</a:t>
-            </a:r>
-            <a:r>
-              <a:rPr lang="en-US" baseline="0" dirty="0"/>
-              <a:t> </a:t>
-            </a:r>
-            <a:r>
-              <a:rPr lang="en-US" baseline="0" dirty="0" err="1"/>
-              <a:t>koennen</a:t>
-            </a:r>
-            <a:r>
-              <a:rPr lang="en-US" baseline="0" dirty="0"/>
-              <a:t>. In </a:t>
-            </a:r>
-            <a:r>
-              <a:rPr lang="en-US" baseline="0" dirty="0" err="1"/>
-              <a:t>diesem</a:t>
-            </a:r>
-            <a:r>
-              <a:rPr lang="en-US" baseline="0" dirty="0"/>
-              <a:t> </a:t>
-            </a:r>
-            <a:r>
-              <a:rPr lang="en-US" baseline="0" dirty="0" err="1"/>
-              <a:t>Punkt</a:t>
-            </a:r>
-            <a:r>
-              <a:rPr lang="en-US" baseline="0" dirty="0"/>
-              <a:t> </a:t>
-            </a:r>
-            <a:r>
-              <a:rPr lang="en-US" baseline="0" dirty="0" err="1"/>
-              <a:t>hatten</a:t>
-            </a:r>
-            <a:r>
-              <a:rPr lang="en-US" baseline="0" dirty="0"/>
-              <a:t> </a:t>
-            </a:r>
-            <a:r>
-              <a:rPr lang="en-US" baseline="0" dirty="0" err="1"/>
-              <a:t>wir</a:t>
-            </a:r>
-            <a:r>
-              <a:rPr lang="en-US" baseline="0" dirty="0"/>
-              <a:t> </a:t>
-            </a:r>
-            <a:r>
-              <a:rPr lang="en-US" baseline="0" dirty="0" err="1"/>
-              <a:t>hier</a:t>
-            </a:r>
-            <a:r>
-              <a:rPr lang="en-US" baseline="0" dirty="0"/>
-              <a:t> </a:t>
-            </a:r>
-            <a:r>
-              <a:rPr lang="en-US" baseline="0" dirty="0" err="1"/>
-              <a:t>gleich</a:t>
-            </a:r>
-            <a:r>
-              <a:rPr lang="en-US" baseline="0" dirty="0"/>
-              <a:t> </a:t>
-            </a:r>
-            <a:r>
-              <a:rPr lang="en-US" baseline="0" dirty="0" err="1"/>
-              <a:t>doppeltes</a:t>
-            </a:r>
-            <a:r>
-              <a:rPr lang="en-US" baseline="0" dirty="0"/>
-              <a:t> </a:t>
-            </a:r>
-            <a:r>
-              <a:rPr lang="en-US" baseline="0" dirty="0" err="1"/>
-              <a:t>Glueck</a:t>
-            </a:r>
-            <a:r>
-              <a:rPr lang="en-US" baseline="0" dirty="0"/>
-              <a:t>: </a:t>
-            </a:r>
-            <a:r>
-              <a:rPr lang="en-US" baseline="0" dirty="0" err="1"/>
-              <a:t>Zum</a:t>
-            </a:r>
-            <a:r>
-              <a:rPr lang="en-US" baseline="0" dirty="0"/>
-              <a:t> </a:t>
-            </a:r>
-            <a:r>
-              <a:rPr lang="en-US" baseline="0" dirty="0" err="1"/>
-              <a:t>einen</a:t>
-            </a:r>
-            <a:r>
-              <a:rPr lang="en-US" baseline="0" dirty="0"/>
-              <a:t> hat </a:t>
-            </a:r>
-            <a:r>
-              <a:rPr lang="en-US" baseline="0" dirty="0" err="1"/>
-              <a:t>sich</a:t>
-            </a:r>
-            <a:r>
-              <a:rPr lang="en-US" baseline="0" dirty="0"/>
-              <a:t> Elias Knop, </a:t>
-            </a:r>
-            <a:r>
-              <a:rPr lang="en-US" baseline="0" dirty="0" err="1"/>
-              <a:t>ein</a:t>
-            </a:r>
-            <a:r>
-              <a:rPr lang="en-US" baseline="0" dirty="0"/>
-              <a:t> Student des Abby Road’s </a:t>
-            </a:r>
-            <a:r>
-              <a:rPr lang="en-US" baseline="0" dirty="0" err="1"/>
-              <a:t>Musik</a:t>
-            </a:r>
-            <a:r>
-              <a:rPr lang="en-US" baseline="0" dirty="0"/>
-              <a:t> Studios, </a:t>
-            </a:r>
-            <a:r>
-              <a:rPr lang="en-US" baseline="0" dirty="0" err="1"/>
-              <a:t>dazu</a:t>
-            </a:r>
-            <a:r>
-              <a:rPr lang="en-US" baseline="0" dirty="0"/>
-              <a:t> </a:t>
-            </a:r>
-            <a:r>
-              <a:rPr lang="en-US" baseline="0" dirty="0" err="1"/>
-              <a:t>bereit</a:t>
-            </a:r>
-            <a:r>
-              <a:rPr lang="en-US" baseline="0" dirty="0"/>
-              <a:t> </a:t>
-            </a:r>
-            <a:r>
-              <a:rPr lang="en-US" baseline="0" dirty="0" err="1"/>
-              <a:t>erklaert</a:t>
-            </a:r>
-            <a:r>
-              <a:rPr lang="en-US" baseline="0" dirty="0"/>
-              <a:t> </a:t>
-            </a:r>
-            <a:r>
-              <a:rPr lang="en-US" baseline="0" dirty="0" err="1"/>
-              <a:t>uns</a:t>
-            </a:r>
-            <a:r>
-              <a:rPr lang="en-US" baseline="0" dirty="0"/>
-              <a:t> </a:t>
-            </a:r>
-            <a:r>
-              <a:rPr lang="en-US" baseline="0" dirty="0" err="1"/>
-              <a:t>mit</a:t>
-            </a:r>
-            <a:r>
-              <a:rPr lang="en-US" baseline="0" dirty="0"/>
-              <a:t> Sounds und </a:t>
-            </a:r>
-            <a:r>
-              <a:rPr lang="en-US" baseline="0" dirty="0" err="1"/>
-              <a:t>Musik</a:t>
-            </a:r>
-            <a:r>
-              <a:rPr lang="en-US" baseline="0" dirty="0"/>
-              <a:t> </a:t>
-            </a:r>
-            <a:r>
-              <a:rPr lang="en-US" baseline="0" dirty="0" err="1"/>
-              <a:t>zu</a:t>
-            </a:r>
-            <a:r>
-              <a:rPr lang="en-US" baseline="0" dirty="0"/>
-              <a:t> </a:t>
-            </a:r>
-            <a:r>
-              <a:rPr lang="en-US" baseline="0" dirty="0" err="1"/>
-              <a:t>versorgen</a:t>
-            </a:r>
-            <a:r>
-              <a:rPr lang="en-US" baseline="0" dirty="0"/>
-              <a:t> und </a:t>
-            </a:r>
-            <a:r>
-              <a:rPr lang="en-US" baseline="0" dirty="0" err="1"/>
-              <a:t>somit</a:t>
-            </a:r>
-            <a:r>
-              <a:rPr lang="en-US" baseline="0" dirty="0"/>
-              <a:t> </a:t>
-            </a:r>
-            <a:r>
-              <a:rPr lang="en-US" baseline="0" dirty="0" err="1"/>
-              <a:t>haben</a:t>
-            </a:r>
-            <a:r>
-              <a:rPr lang="en-US" baseline="0" dirty="0"/>
-              <a:t> </a:t>
-            </a:r>
-            <a:r>
-              <a:rPr lang="en-US" baseline="0" dirty="0" err="1"/>
-              <a:t>wir</a:t>
-            </a:r>
-            <a:r>
-              <a:rPr lang="en-US" baseline="0" dirty="0"/>
-              <a:t> nun </a:t>
-            </a:r>
-            <a:r>
-              <a:rPr lang="en-US" baseline="0" dirty="0" err="1"/>
-              <a:t>auch</a:t>
-            </a:r>
-            <a:r>
-              <a:rPr lang="en-US" baseline="0" dirty="0"/>
-              <a:t> </a:t>
-            </a:r>
-            <a:r>
-              <a:rPr lang="en-US" baseline="0" dirty="0" err="1"/>
-              <a:t>bereits</a:t>
-            </a:r>
-            <a:r>
-              <a:rPr lang="en-US" baseline="0" dirty="0"/>
-              <a:t> </a:t>
-            </a:r>
-            <a:r>
-              <a:rPr lang="en-US" baseline="0" dirty="0" err="1"/>
-              <a:t>einige</a:t>
-            </a:r>
-            <a:r>
-              <a:rPr lang="en-US" baseline="0" dirty="0"/>
-              <a:t> </a:t>
-            </a:r>
-            <a:r>
-              <a:rPr lang="en-US" baseline="0" dirty="0" err="1"/>
-              <a:t>Soundeffekte</a:t>
-            </a:r>
-            <a:r>
-              <a:rPr lang="en-US" baseline="0" dirty="0"/>
-              <a:t> </a:t>
-            </a:r>
-            <a:r>
-              <a:rPr lang="en-US" baseline="0" dirty="0" err="1"/>
-              <a:t>im</a:t>
-            </a:r>
-            <a:r>
-              <a:rPr lang="en-US" baseline="0" dirty="0"/>
-              <a:t> Spiel </a:t>
-            </a:r>
-            <a:r>
-              <a:rPr lang="en-US" baseline="0" dirty="0" err="1"/>
-              <a:t>eingebaut</a:t>
-            </a:r>
-            <a:r>
-              <a:rPr lang="en-US" baseline="0" dirty="0"/>
-              <a:t>. </a:t>
-            </a:r>
-            <a:r>
-              <a:rPr lang="en-US" baseline="0" dirty="0" err="1"/>
-              <a:t>Zum</a:t>
-            </a:r>
-            <a:r>
-              <a:rPr lang="en-US" baseline="0" dirty="0"/>
-              <a:t> </a:t>
-            </a:r>
-            <a:r>
-              <a:rPr lang="en-US" baseline="0" dirty="0" err="1"/>
-              <a:t>anderen</a:t>
-            </a:r>
-            <a:r>
-              <a:rPr lang="en-US" baseline="0" dirty="0"/>
-              <a:t>  </a:t>
-            </a:r>
-            <a:r>
-              <a:rPr lang="en-US" baseline="0" dirty="0" err="1"/>
-              <a:t>haben</a:t>
-            </a:r>
-            <a:r>
-              <a:rPr lang="en-US" baseline="0" dirty="0"/>
-              <a:t> </a:t>
-            </a:r>
-            <a:r>
-              <a:rPr lang="en-US" baseline="0" dirty="0" err="1"/>
-              <a:t>wir</a:t>
-            </a:r>
-            <a:r>
-              <a:rPr lang="en-US" baseline="0" dirty="0"/>
-              <a:t> </a:t>
-            </a:r>
-            <a:r>
-              <a:rPr lang="en-US" baseline="0" dirty="0" err="1"/>
-              <a:t>endlich</a:t>
-            </a:r>
-            <a:r>
-              <a:rPr lang="en-US" baseline="0" dirty="0"/>
-              <a:t> </a:t>
-            </a:r>
-            <a:r>
-              <a:rPr lang="en-US" baseline="0" dirty="0" err="1"/>
-              <a:t>unsere</a:t>
-            </a:r>
-            <a:r>
-              <a:rPr lang="en-US" baseline="0" dirty="0"/>
-              <a:t> </a:t>
-            </a:r>
-            <a:r>
-              <a:rPr lang="en-US" baseline="0" dirty="0" err="1"/>
-              <a:t>Animatorin</a:t>
-            </a:r>
-            <a:r>
-              <a:rPr lang="en-US" baseline="0" dirty="0"/>
-              <a:t> Michelle </a:t>
-            </a:r>
-            <a:r>
-              <a:rPr lang="en-US" baseline="0" dirty="0" err="1"/>
-              <a:t>wieder</a:t>
-            </a:r>
-            <a:r>
-              <a:rPr lang="en-US" baseline="0" dirty="0"/>
-              <a:t> </a:t>
-            </a:r>
-            <a:r>
-              <a:rPr lang="en-US" baseline="0" dirty="0" err="1"/>
-              <a:t>Vollzeit</a:t>
-            </a:r>
-            <a:r>
-              <a:rPr lang="en-US" baseline="0" dirty="0"/>
-              <a:t> </a:t>
-            </a:r>
-            <a:r>
-              <a:rPr lang="en-US" baseline="0" dirty="0" err="1"/>
-              <a:t>bei</a:t>
-            </a:r>
-            <a:r>
-              <a:rPr lang="en-US" baseline="0" dirty="0"/>
-              <a:t> </a:t>
-            </a:r>
-            <a:r>
-              <a:rPr lang="en-US" baseline="0" dirty="0" err="1"/>
-              <a:t>uns</a:t>
-            </a:r>
-            <a:r>
-              <a:rPr lang="en-US" baseline="0" dirty="0"/>
-              <a:t> und </a:t>
-            </a:r>
-            <a:r>
-              <a:rPr lang="en-US" baseline="0" dirty="0" err="1"/>
-              <a:t>sie</a:t>
-            </a:r>
-            <a:r>
-              <a:rPr lang="en-US" baseline="0" dirty="0"/>
-              <a:t> hat </a:t>
-            </a:r>
-            <a:r>
-              <a:rPr lang="en-US" baseline="0" dirty="0" err="1"/>
-              <a:t>uns</a:t>
-            </a:r>
-            <a:r>
-              <a:rPr lang="en-US" baseline="0" dirty="0"/>
-              <a:t> </a:t>
-            </a:r>
-            <a:r>
-              <a:rPr lang="en-US" baseline="0" dirty="0" err="1"/>
-              <a:t>auch</a:t>
-            </a:r>
-            <a:r>
-              <a:rPr lang="en-US" baseline="0" dirty="0"/>
-              <a:t> </a:t>
-            </a:r>
-            <a:r>
-              <a:rPr lang="en-US" baseline="0" dirty="0" err="1"/>
-              <a:t>sofort</a:t>
-            </a:r>
-            <a:r>
-              <a:rPr lang="en-US" baseline="0" dirty="0"/>
-              <a:t> </a:t>
-            </a:r>
-            <a:r>
-              <a:rPr lang="en-US" baseline="0" dirty="0" err="1"/>
-              <a:t>gezeigt</a:t>
-            </a:r>
-            <a:r>
-              <a:rPr lang="en-US" baseline="0" dirty="0"/>
-              <a:t> was </a:t>
-            </a:r>
-            <a:r>
-              <a:rPr lang="en-US" baseline="0" dirty="0" err="1"/>
-              <a:t>sie</a:t>
-            </a:r>
-            <a:r>
-              <a:rPr lang="en-US" baseline="0" dirty="0"/>
-              <a:t> </a:t>
-            </a:r>
-            <a:r>
-              <a:rPr lang="en-US" baseline="0" dirty="0" err="1"/>
-              <a:t>kann</a:t>
-            </a:r>
-            <a:r>
-              <a:rPr lang="en-US" baseline="0" dirty="0"/>
-              <a:t> </a:t>
-            </a:r>
-            <a:r>
-              <a:rPr lang="en-US" baseline="0" dirty="0" err="1"/>
-              <a:t>indem</a:t>
-            </a:r>
-            <a:r>
-              <a:rPr lang="en-US" baseline="0" dirty="0"/>
-              <a:t> </a:t>
-            </a:r>
-            <a:r>
-              <a:rPr lang="en-US" baseline="0" dirty="0" err="1"/>
-              <a:t>zusaetzlich</a:t>
-            </a:r>
-            <a:r>
-              <a:rPr lang="en-US" baseline="0" dirty="0"/>
-              <a:t> </a:t>
-            </a:r>
-            <a:r>
-              <a:rPr lang="en-US" baseline="0" dirty="0" err="1"/>
-              <a:t>zu</a:t>
-            </a:r>
-            <a:r>
-              <a:rPr lang="en-US" baseline="0" dirty="0"/>
-              <a:t> </a:t>
-            </a:r>
-            <a:r>
-              <a:rPr lang="en-US" baseline="0" dirty="0" err="1"/>
-              <a:t>denen</a:t>
-            </a:r>
-            <a:r>
-              <a:rPr lang="en-US" baseline="0" dirty="0"/>
-              <a:t> des  </a:t>
-            </a:r>
-            <a:r>
-              <a:rPr lang="en-US" baseline="0" dirty="0" err="1"/>
-              <a:t>Hauptcharakters</a:t>
-            </a:r>
-            <a:r>
-              <a:rPr lang="en-US" baseline="0" dirty="0"/>
-              <a:t> </a:t>
-            </a:r>
-            <a:r>
-              <a:rPr lang="en-US" baseline="0" dirty="0" err="1"/>
-              <a:t>auch</a:t>
-            </a:r>
-            <a:r>
-              <a:rPr lang="en-US" baseline="0" dirty="0"/>
-              <a:t> </a:t>
-            </a:r>
-            <a:r>
-              <a:rPr lang="en-US" baseline="0" dirty="0" err="1"/>
-              <a:t>bereits</a:t>
-            </a:r>
-            <a:r>
-              <a:rPr lang="en-US" baseline="0" dirty="0"/>
-              <a:t> die Basis-</a:t>
-            </a:r>
-            <a:r>
-              <a:rPr lang="en-US" baseline="0" dirty="0" err="1"/>
-              <a:t>Animationen</a:t>
-            </a:r>
-            <a:r>
-              <a:rPr lang="en-US" baseline="0" dirty="0"/>
-              <a:t> </a:t>
-            </a:r>
-            <a:r>
-              <a:rPr lang="en-US" baseline="0" dirty="0" err="1"/>
-              <a:t>unserer</a:t>
-            </a:r>
-            <a:r>
-              <a:rPr lang="en-US" baseline="0" dirty="0"/>
-              <a:t> </a:t>
-            </a:r>
-            <a:r>
-              <a:rPr lang="en-US" baseline="0" dirty="0" err="1"/>
-              <a:t>Wachen</a:t>
-            </a:r>
-            <a:r>
-              <a:rPr lang="en-US" baseline="0" dirty="0"/>
-              <a:t> </a:t>
-            </a:r>
-            <a:r>
-              <a:rPr lang="en-US" baseline="0" dirty="0" err="1"/>
-              <a:t>erstellt</a:t>
-            </a:r>
-            <a:r>
-              <a:rPr lang="en-US" baseline="0" dirty="0"/>
-              <a:t> hat.</a:t>
-            </a:r>
-            <a:br>
-              <a:rPr lang="en-US" baseline="0" dirty="0"/>
-            </a:br>
-            <a:r>
-              <a:rPr lang="en-US" baseline="0" dirty="0" err="1"/>
-              <a:t>Zu</a:t>
-            </a:r>
-            <a:r>
-              <a:rPr lang="en-US" baseline="0" dirty="0"/>
-              <a:t> </a:t>
-            </a:r>
-            <a:r>
-              <a:rPr lang="en-US" baseline="0" dirty="0" err="1"/>
-              <a:t>guter</a:t>
-            </a:r>
-            <a:r>
-              <a:rPr lang="en-US" baseline="0" dirty="0"/>
-              <a:t> </a:t>
-            </a:r>
-            <a:r>
-              <a:rPr lang="en-US" baseline="0" dirty="0" err="1"/>
-              <a:t>Letzt</a:t>
-            </a:r>
-            <a:r>
-              <a:rPr lang="en-US" baseline="0" dirty="0"/>
-              <a:t> </a:t>
-            </a:r>
-            <a:r>
-              <a:rPr lang="en-US" baseline="0" dirty="0" err="1"/>
-              <a:t>haben</a:t>
-            </a:r>
-            <a:r>
-              <a:rPr lang="en-US" baseline="0" dirty="0"/>
-              <a:t> </a:t>
-            </a:r>
-            <a:r>
-              <a:rPr lang="en-US" baseline="0" dirty="0" err="1"/>
-              <a:t>wir</a:t>
-            </a:r>
-            <a:r>
-              <a:rPr lang="en-US" baseline="0" dirty="0"/>
-              <a:t> die </a:t>
-            </a:r>
-            <a:r>
-              <a:rPr lang="en-US" baseline="0" dirty="0" err="1"/>
-              <a:t>komplette</a:t>
-            </a:r>
-            <a:r>
-              <a:rPr lang="en-US" baseline="0" dirty="0"/>
-              <a:t> </a:t>
-            </a:r>
-            <a:r>
-              <a:rPr lang="en-US" baseline="0" dirty="0" err="1"/>
-              <a:t>Mechanik</a:t>
-            </a:r>
-            <a:r>
-              <a:rPr lang="en-US" baseline="0" dirty="0"/>
-              <a:t>: “</a:t>
-            </a:r>
-            <a:r>
-              <a:rPr lang="en-US" baseline="0" dirty="0" err="1"/>
-              <a:t>Posession</a:t>
-            </a:r>
-            <a:r>
-              <a:rPr lang="en-US" baseline="0" dirty="0"/>
-              <a:t>”, also die </a:t>
-            </a:r>
-            <a:r>
-              <a:rPr lang="en-US" baseline="0" dirty="0" err="1"/>
-              <a:t>Uebernahme</a:t>
-            </a:r>
-            <a:r>
-              <a:rPr lang="en-US" baseline="0" dirty="0"/>
-              <a:t> von </a:t>
-            </a:r>
-            <a:r>
-              <a:rPr lang="en-US" baseline="0" dirty="0" err="1"/>
-              <a:t>Wachen</a:t>
-            </a:r>
-            <a:r>
-              <a:rPr lang="en-US" baseline="0" dirty="0"/>
-              <a:t>, </a:t>
-            </a:r>
-            <a:r>
-              <a:rPr lang="en-US" baseline="0" dirty="0" err="1"/>
-              <a:t>angekuendigt</a:t>
-            </a:r>
-            <a:r>
-              <a:rPr lang="en-US" baseline="0" dirty="0"/>
-              <a:t> und </a:t>
-            </a:r>
-            <a:r>
-              <a:rPr lang="en-US" baseline="0" dirty="0" err="1"/>
-              <a:t>auch</a:t>
-            </a:r>
-            <a:r>
-              <a:rPr lang="en-US" baseline="0" dirty="0"/>
-              <a:t> das hat </a:t>
-            </a:r>
-            <a:r>
-              <a:rPr lang="en-US" baseline="0" dirty="0" err="1"/>
-              <a:t>geklappt</a:t>
-            </a:r>
-            <a:r>
-              <a:rPr lang="en-US" baseline="0" dirty="0"/>
-              <a:t>. </a:t>
-            </a:r>
-            <a:br>
-              <a:rPr lang="en-US" baseline="0" dirty="0"/>
-            </a:br>
-            <a:r>
-              <a:rPr lang="en-US" baseline="0" dirty="0"/>
-              <a:t>Bevor </a:t>
-            </a:r>
-            <a:r>
-              <a:rPr lang="en-US" baseline="0" dirty="0" err="1"/>
-              <a:t>wir</a:t>
-            </a:r>
-            <a:r>
-              <a:rPr lang="en-US" baseline="0" dirty="0"/>
-              <a:t> nun </a:t>
-            </a:r>
-            <a:r>
-              <a:rPr lang="en-US" baseline="0" dirty="0" err="1"/>
-              <a:t>aber</a:t>
-            </a:r>
-            <a:r>
-              <a:rPr lang="en-US" baseline="0" dirty="0"/>
-              <a:t> </a:t>
-            </a:r>
-            <a:r>
-              <a:rPr lang="en-US" baseline="0" dirty="0" err="1"/>
-              <a:t>gleich</a:t>
-            </a:r>
-            <a:r>
-              <a:rPr lang="en-US" baseline="0" dirty="0"/>
-              <a:t> </a:t>
-            </a:r>
-            <a:r>
-              <a:rPr lang="en-US" baseline="0" dirty="0" err="1"/>
-              <a:t>zum</a:t>
-            </a:r>
-            <a:r>
-              <a:rPr lang="en-US" baseline="0" dirty="0"/>
-              <a:t> Spiel </a:t>
-            </a:r>
-            <a:r>
-              <a:rPr lang="en-US" baseline="0" dirty="0" err="1"/>
-              <a:t>selbst</a:t>
-            </a:r>
-            <a:r>
-              <a:rPr lang="en-US" baseline="0" dirty="0"/>
-              <a:t> </a:t>
-            </a:r>
-            <a:r>
-              <a:rPr lang="en-US" baseline="0" dirty="0" err="1"/>
-              <a:t>kommen</a:t>
-            </a:r>
-            <a:r>
-              <a:rPr lang="en-US" baseline="0" dirty="0"/>
-              <a:t>, </a:t>
-            </a:r>
-            <a:r>
-              <a:rPr lang="en-US" baseline="0" dirty="0" err="1"/>
-              <a:t>erzaehle</a:t>
-            </a:r>
-            <a:r>
-              <a:rPr lang="en-US" baseline="0" dirty="0"/>
-              <a:t> </a:t>
-            </a:r>
-            <a:r>
-              <a:rPr lang="en-US" baseline="0" dirty="0" err="1"/>
-              <a:t>ich</a:t>
-            </a:r>
-            <a:r>
-              <a:rPr lang="en-US" baseline="0" dirty="0"/>
-              <a:t> </a:t>
-            </a:r>
-            <a:r>
-              <a:rPr lang="en-US" baseline="0" dirty="0" err="1"/>
-              <a:t>euch</a:t>
-            </a:r>
-            <a:r>
-              <a:rPr lang="en-US" baseline="0" dirty="0"/>
-              <a:t> </a:t>
-            </a:r>
-            <a:r>
-              <a:rPr lang="en-US" baseline="0" dirty="0" err="1"/>
-              <a:t>noch</a:t>
-            </a:r>
-            <a:r>
-              <a:rPr lang="en-US" baseline="0" dirty="0"/>
-              <a:t> </a:t>
-            </a:r>
-            <a:r>
-              <a:rPr lang="en-US" baseline="0" dirty="0" err="1"/>
-              <a:t>kurz</a:t>
-            </a:r>
-            <a:r>
-              <a:rPr lang="en-US" baseline="0" dirty="0"/>
-              <a:t>, was </a:t>
-            </a:r>
-            <a:r>
-              <a:rPr lang="en-US" baseline="0" dirty="0" err="1"/>
-              <a:t>ihr</a:t>
-            </a:r>
-            <a:r>
-              <a:rPr lang="en-US" baseline="0" dirty="0"/>
-              <a:t> </a:t>
-            </a:r>
-            <a:r>
-              <a:rPr lang="en-US" baseline="0" dirty="0" err="1"/>
-              <a:t>noch</a:t>
-            </a:r>
-            <a:r>
-              <a:rPr lang="en-US" baseline="0" dirty="0"/>
-              <a:t> </a:t>
-            </a:r>
-            <a:r>
-              <a:rPr lang="en-US" baseline="0" dirty="0" err="1"/>
-              <a:t>bis</a:t>
-            </a:r>
-            <a:r>
-              <a:rPr lang="en-US" baseline="0" dirty="0"/>
-              <a:t> </a:t>
-            </a:r>
-            <a:r>
-              <a:rPr lang="en-US" baseline="0" dirty="0" err="1"/>
-              <a:t>zum</a:t>
-            </a:r>
-            <a:r>
-              <a:rPr lang="en-US" baseline="0" dirty="0"/>
-              <a:t> </a:t>
-            </a:r>
-            <a:r>
-              <a:rPr lang="en-US" baseline="0" dirty="0" err="1"/>
-              <a:t>Goldmaster</a:t>
-            </a:r>
-            <a:r>
-              <a:rPr lang="en-US" baseline="0" dirty="0"/>
-              <a:t> von </a:t>
-            </a:r>
-            <a:r>
-              <a:rPr lang="en-US" baseline="0" dirty="0" err="1"/>
-              <a:t>uns</a:t>
-            </a:r>
-            <a:r>
-              <a:rPr lang="en-US" baseline="0" dirty="0"/>
-              <a:t> </a:t>
-            </a:r>
-            <a:r>
-              <a:rPr lang="en-US" baseline="0" dirty="0" err="1"/>
-              <a:t>erwarten</a:t>
-            </a:r>
-            <a:r>
-              <a:rPr lang="en-US" baseline="0" dirty="0"/>
-              <a:t> </a:t>
-            </a:r>
-            <a:r>
-              <a:rPr lang="en-US" baseline="0" dirty="0" err="1"/>
-              <a:t>koennt</a:t>
-            </a:r>
-            <a:r>
-              <a:rPr lang="en-US" baseline="0" dirty="0"/>
-              <a:t>:</a:t>
-            </a:r>
             <a:endParaRPr lang="de-DE" dirty="0"/>
           </a:p>
         </p:txBody>
@@ -3023,7 +1904,7 @@
     </p:spTree>
     <p:extLst>
       <p:ext uri="{BB962C8B-B14F-4D97-AF65-F5344CB8AC3E}">
-        <p14:creationId xmlns:p14="http://schemas.microsoft.com/office/powerpoint/2010/main" val="174173265"/>
+        <p14:creationId xmlns:p14="http://schemas.microsoft.com/office/powerpoint/2010/main" val="233042878"/>
       </p:ext>
     </p:extLst>
   </p:cSld>
@@ -3077,510 +1958,6 @@
           <a:bodyPr/>
           <a:lstStyle/>
           <a:p>
-            <a:r>
-              <a:rPr lang="en-US" dirty="0" err="1"/>
-              <a:t>Wir</a:t>
-            </a:r>
-            <a:r>
-              <a:rPr lang="en-US" baseline="0" dirty="0"/>
-              <a:t> </a:t>
-            </a:r>
-            <a:r>
-              <a:rPr lang="en-US" baseline="0" dirty="0" err="1"/>
-              <a:t>werden</a:t>
-            </a:r>
-            <a:r>
-              <a:rPr lang="en-US" baseline="0" dirty="0"/>
-              <a:t> </a:t>
-            </a:r>
-            <a:r>
-              <a:rPr lang="en-US" baseline="0" dirty="0" err="1"/>
-              <a:t>euch</a:t>
-            </a:r>
-            <a:r>
-              <a:rPr lang="en-US" baseline="0" dirty="0"/>
-              <a:t> das </a:t>
-            </a:r>
-            <a:r>
-              <a:rPr lang="en-US" baseline="0" dirty="0" err="1"/>
-              <a:t>komplette</a:t>
-            </a:r>
-            <a:r>
-              <a:rPr lang="en-US" baseline="0" dirty="0"/>
-              <a:t>, </a:t>
-            </a:r>
-            <a:r>
-              <a:rPr lang="en-US" baseline="0" dirty="0" err="1"/>
-              <a:t>gepolishte</a:t>
-            </a:r>
-            <a:r>
-              <a:rPr lang="en-US" baseline="0" dirty="0"/>
-              <a:t> Spiel </a:t>
-            </a:r>
-            <a:r>
-              <a:rPr lang="en-US" baseline="0" dirty="0" err="1"/>
-              <a:t>praesentieren</a:t>
-            </a:r>
-            <a:r>
-              <a:rPr lang="en-US" baseline="0" dirty="0"/>
-              <a:t>. Das </a:t>
-            </a:r>
-            <a:r>
-              <a:rPr lang="en-US" baseline="0" dirty="0" err="1"/>
-              <a:t>bedeutet</a:t>
-            </a:r>
-            <a:r>
-              <a:rPr lang="en-US" baseline="0" dirty="0"/>
-              <a:t>, </a:t>
-            </a:r>
-            <a:r>
-              <a:rPr lang="en-US" baseline="0" dirty="0" err="1"/>
-              <a:t>dass</a:t>
-            </a:r>
-            <a:r>
-              <a:rPr lang="en-US" baseline="0" dirty="0"/>
-              <a:t> </a:t>
-            </a:r>
-            <a:r>
-              <a:rPr lang="en-US" baseline="0" dirty="0" err="1"/>
-              <a:t>noch</a:t>
-            </a:r>
-            <a:r>
-              <a:rPr lang="en-US" baseline="0" dirty="0"/>
-              <a:t> </a:t>
-            </a:r>
-            <a:r>
-              <a:rPr lang="en-US" baseline="0" dirty="0" err="1"/>
-              <a:t>einige</a:t>
-            </a:r>
-            <a:r>
-              <a:rPr lang="en-US" baseline="0" dirty="0"/>
-              <a:t> </a:t>
-            </a:r>
-            <a:r>
-              <a:rPr lang="en-US" baseline="0" dirty="0" err="1"/>
-              <a:t>zusaetzliche</a:t>
-            </a:r>
-            <a:r>
-              <a:rPr lang="en-US" baseline="0" dirty="0"/>
-              <a:t> VFX- und Sound-</a:t>
-            </a:r>
-            <a:r>
-              <a:rPr lang="en-US" baseline="0" dirty="0" err="1"/>
-              <a:t>Effekte</a:t>
-            </a:r>
-            <a:r>
-              <a:rPr lang="en-US" baseline="0" dirty="0"/>
-              <a:t> den </a:t>
-            </a:r>
-            <a:r>
-              <a:rPr lang="en-US" baseline="0" dirty="0" err="1"/>
-              <a:t>Weg</a:t>
-            </a:r>
-            <a:r>
-              <a:rPr lang="en-US" baseline="0" dirty="0"/>
-              <a:t> ins Spiel </a:t>
-            </a:r>
-            <a:r>
-              <a:rPr lang="en-US" baseline="0" dirty="0" err="1"/>
-              <a:t>finden</a:t>
-            </a:r>
-            <a:r>
-              <a:rPr lang="en-US" baseline="0" dirty="0"/>
-              <a:t> </a:t>
-            </a:r>
-            <a:r>
-              <a:rPr lang="en-US" baseline="0" dirty="0" err="1"/>
-              <a:t>werden</a:t>
-            </a:r>
-            <a:r>
-              <a:rPr lang="en-US" baseline="0" dirty="0"/>
-              <a:t>, </a:t>
-            </a:r>
-            <a:r>
-              <a:rPr lang="en-US" baseline="0" dirty="0" err="1"/>
-              <a:t>welche</a:t>
-            </a:r>
-            <a:r>
-              <a:rPr lang="en-US" baseline="0" dirty="0"/>
-              <a:t> </a:t>
-            </a:r>
-            <a:r>
-              <a:rPr lang="en-US" baseline="0" dirty="0" err="1"/>
-              <a:t>hauptsaechlich</a:t>
-            </a:r>
-            <a:r>
-              <a:rPr lang="en-US" baseline="0" dirty="0"/>
-              <a:t> </a:t>
-            </a:r>
-            <a:r>
-              <a:rPr lang="en-US" baseline="0" dirty="0" err="1"/>
-              <a:t>fuer</a:t>
-            </a:r>
-            <a:r>
-              <a:rPr lang="en-US" baseline="0" dirty="0"/>
-              <a:t> </a:t>
-            </a:r>
-            <a:r>
-              <a:rPr lang="en-US" baseline="0" dirty="0" err="1"/>
-              <a:t>noch</a:t>
-            </a:r>
-            <a:r>
-              <a:rPr lang="en-US" baseline="0" dirty="0"/>
-              <a:t> </a:t>
-            </a:r>
-            <a:r>
-              <a:rPr lang="en-US" baseline="0" dirty="0" err="1"/>
-              <a:t>besseres</a:t>
-            </a:r>
-            <a:r>
-              <a:rPr lang="en-US" baseline="0" dirty="0"/>
-              <a:t> Feedback und </a:t>
-            </a:r>
-            <a:r>
-              <a:rPr lang="en-US" baseline="0" dirty="0" err="1"/>
-              <a:t>bessere</a:t>
-            </a:r>
-            <a:r>
-              <a:rPr lang="en-US" baseline="0" dirty="0"/>
-              <a:t> </a:t>
-            </a:r>
-            <a:r>
-              <a:rPr lang="en-US" baseline="0" dirty="0" err="1"/>
-              <a:t>Signale</a:t>
-            </a:r>
-            <a:r>
-              <a:rPr lang="en-US" baseline="0" dirty="0"/>
-              <a:t> </a:t>
-            </a:r>
-            <a:r>
-              <a:rPr lang="en-US" baseline="0" dirty="0" err="1"/>
-              <a:t>fuer</a:t>
-            </a:r>
-            <a:r>
-              <a:rPr lang="en-US" baseline="0" dirty="0"/>
-              <a:t> den </a:t>
-            </a:r>
-            <a:r>
-              <a:rPr lang="en-US" baseline="0" dirty="0" err="1"/>
-              <a:t>Spieler</a:t>
-            </a:r>
-            <a:r>
-              <a:rPr lang="en-US" baseline="0" dirty="0"/>
-              <a:t> </a:t>
-            </a:r>
-            <a:r>
-              <a:rPr lang="en-US" baseline="0" dirty="0" err="1"/>
-              <a:t>dienen</a:t>
-            </a:r>
-            <a:r>
-              <a:rPr lang="en-US" baseline="0" dirty="0"/>
-              <a:t> </a:t>
-            </a:r>
-            <a:r>
-              <a:rPr lang="en-US" baseline="0" dirty="0" err="1"/>
-              <a:t>sollen</a:t>
-            </a:r>
-            <a:r>
-              <a:rPr lang="en-US" baseline="0" dirty="0"/>
-              <a:t>. </a:t>
-            </a:r>
-            <a:r>
-              <a:rPr lang="en-US" baseline="0" dirty="0" err="1"/>
-              <a:t>Es</a:t>
-            </a:r>
-            <a:r>
-              <a:rPr lang="en-US" baseline="0" dirty="0"/>
-              <a:t> </a:t>
-            </a:r>
-            <a:r>
-              <a:rPr lang="en-US" baseline="0" dirty="0" err="1"/>
-              <a:t>wird</a:t>
-            </a:r>
-            <a:r>
-              <a:rPr lang="en-US" baseline="0" dirty="0"/>
-              <a:t> </a:t>
-            </a:r>
-            <a:r>
-              <a:rPr lang="en-US" baseline="0" dirty="0" err="1"/>
-              <a:t>ein</a:t>
-            </a:r>
-            <a:r>
-              <a:rPr lang="en-US" baseline="0" dirty="0"/>
-              <a:t> </a:t>
-            </a:r>
-            <a:r>
-              <a:rPr lang="en-US" baseline="0" dirty="0" err="1"/>
-              <a:t>passendes</a:t>
-            </a:r>
-            <a:r>
-              <a:rPr lang="en-US" baseline="0" dirty="0"/>
-              <a:t> </a:t>
-            </a:r>
-            <a:r>
-              <a:rPr lang="en-US" baseline="0" dirty="0" err="1"/>
-              <a:t>Ende</a:t>
-            </a:r>
-            <a:r>
-              <a:rPr lang="en-US" baseline="0" dirty="0"/>
-              <a:t> und </a:t>
-            </a:r>
-            <a:r>
-              <a:rPr lang="en-US" baseline="0" dirty="0" err="1"/>
-              <a:t>auch</a:t>
-            </a:r>
-            <a:r>
-              <a:rPr lang="en-US" baseline="0" dirty="0"/>
-              <a:t> </a:t>
-            </a:r>
-            <a:r>
-              <a:rPr lang="en-US" baseline="0" dirty="0" err="1"/>
-              <a:t>ein</a:t>
-            </a:r>
-            <a:r>
-              <a:rPr lang="en-US" baseline="0" dirty="0"/>
-              <a:t> Tutorial am </a:t>
-            </a:r>
-            <a:r>
-              <a:rPr lang="en-US" baseline="0" dirty="0" err="1"/>
-              <a:t>Anfang</a:t>
-            </a:r>
-            <a:r>
-              <a:rPr lang="en-US" baseline="0" dirty="0"/>
-              <a:t> </a:t>
-            </a:r>
-            <a:r>
-              <a:rPr lang="en-US" baseline="0" dirty="0" err="1"/>
-              <a:t>geben</a:t>
-            </a:r>
-            <a:r>
-              <a:rPr lang="en-US" baseline="0" dirty="0"/>
-              <a:t>, </a:t>
-            </a:r>
-            <a:r>
-              <a:rPr lang="en-US" baseline="0" dirty="0" err="1"/>
-              <a:t>wobei</a:t>
-            </a:r>
-            <a:r>
-              <a:rPr lang="en-US" baseline="0" dirty="0"/>
-              <a:t> das Tutorial direct </a:t>
-            </a:r>
-            <a:r>
-              <a:rPr lang="en-US" baseline="0" dirty="0" err="1"/>
-              <a:t>schon</a:t>
-            </a:r>
-            <a:r>
-              <a:rPr lang="en-US" baseline="0" dirty="0"/>
-              <a:t> </a:t>
-            </a:r>
-            <a:r>
-              <a:rPr lang="en-US" baseline="0" dirty="0" err="1"/>
-              <a:t>ein</a:t>
-            </a:r>
-            <a:r>
-              <a:rPr lang="en-US" baseline="0" dirty="0"/>
-              <a:t> </a:t>
-            </a:r>
-            <a:r>
-              <a:rPr lang="en-US" baseline="0" dirty="0" err="1"/>
-              <a:t>Teil</a:t>
-            </a:r>
-            <a:r>
-              <a:rPr lang="en-US" baseline="0" dirty="0"/>
-              <a:t> des Spiels </a:t>
-            </a:r>
-            <a:r>
-              <a:rPr lang="en-US" baseline="0" dirty="0" err="1"/>
-              <a:t>ist</a:t>
-            </a:r>
-            <a:r>
-              <a:rPr lang="en-US" baseline="0" dirty="0"/>
-              <a:t>.  Und </a:t>
-            </a:r>
-            <a:r>
-              <a:rPr lang="en-US" baseline="0" dirty="0" err="1"/>
-              <a:t>natuerlich</a:t>
-            </a:r>
-            <a:r>
-              <a:rPr lang="en-US" baseline="0" dirty="0"/>
-              <a:t> </a:t>
-            </a:r>
-            <a:r>
-              <a:rPr lang="en-US" baseline="0" dirty="0" err="1"/>
-              <a:t>gibt</a:t>
-            </a:r>
-            <a:r>
-              <a:rPr lang="en-US" baseline="0" dirty="0"/>
-              <a:t> </a:t>
-            </a:r>
-            <a:r>
-              <a:rPr lang="en-US" baseline="0" dirty="0" err="1"/>
-              <a:t>es</a:t>
-            </a:r>
-            <a:r>
-              <a:rPr lang="en-US" baseline="0" dirty="0"/>
-              <a:t> </a:t>
-            </a:r>
-            <a:r>
-              <a:rPr lang="en-US" baseline="0" dirty="0" err="1"/>
-              <a:t>auch</a:t>
-            </a:r>
-            <a:r>
-              <a:rPr lang="en-US" baseline="0" dirty="0"/>
-              <a:t> </a:t>
-            </a:r>
-            <a:r>
-              <a:rPr lang="en-US" baseline="0" dirty="0" err="1"/>
-              <a:t>ein</a:t>
-            </a:r>
-            <a:r>
-              <a:rPr lang="en-US" baseline="0" dirty="0"/>
-              <a:t> </a:t>
-            </a:r>
-            <a:r>
-              <a:rPr lang="en-US" baseline="0" dirty="0" err="1"/>
-              <a:t>ausgearbeitetes</a:t>
-            </a:r>
-            <a:r>
-              <a:rPr lang="en-US" baseline="0" dirty="0"/>
-              <a:t> </a:t>
-            </a:r>
-            <a:r>
-              <a:rPr lang="en-US" baseline="0" dirty="0" err="1"/>
-              <a:t>Menue</a:t>
-            </a:r>
-            <a:r>
-              <a:rPr lang="en-US" baseline="0" dirty="0"/>
-              <a:t> </a:t>
-            </a:r>
-            <a:r>
-              <a:rPr lang="en-US" baseline="0" dirty="0" err="1"/>
-              <a:t>fuer</a:t>
-            </a:r>
-            <a:r>
-              <a:rPr lang="en-US" baseline="0" dirty="0"/>
-              <a:t> </a:t>
-            </a:r>
-            <a:r>
-              <a:rPr lang="en-US" baseline="0" dirty="0" err="1"/>
-              <a:t>verschiedenste</a:t>
-            </a:r>
-            <a:r>
-              <a:rPr lang="en-US" baseline="0" dirty="0"/>
-              <a:t> </a:t>
-            </a:r>
-            <a:r>
-              <a:rPr lang="en-US" baseline="0" dirty="0" err="1"/>
-              <a:t>Einstellungen</a:t>
-            </a:r>
-            <a:r>
-              <a:rPr lang="en-US" baseline="0" dirty="0"/>
-              <a:t>.</a:t>
-            </a:r>
-            <a:br>
-              <a:rPr lang="en-US" baseline="0" dirty="0"/>
-            </a:br>
-            <a:br>
-              <a:rPr lang="en-US" baseline="0" dirty="0"/>
-            </a:br>
-            <a:r>
-              <a:rPr lang="en-US" baseline="0" dirty="0"/>
-              <a:t>So, </a:t>
-            </a:r>
-            <a:r>
-              <a:rPr lang="en-US" baseline="0" dirty="0" err="1"/>
-              <a:t>damit</a:t>
-            </a:r>
-            <a:r>
-              <a:rPr lang="en-US" baseline="0" dirty="0"/>
-              <a:t> </a:t>
-            </a:r>
-            <a:r>
-              <a:rPr lang="en-US" baseline="0" dirty="0" err="1"/>
-              <a:t>kommen</a:t>
-            </a:r>
-            <a:r>
-              <a:rPr lang="en-US" baseline="0" dirty="0"/>
-              <a:t> </a:t>
-            </a:r>
-            <a:r>
-              <a:rPr lang="en-US" baseline="0" dirty="0" err="1"/>
-              <a:t>wir</a:t>
-            </a:r>
-            <a:r>
-              <a:rPr lang="en-US" baseline="0" dirty="0"/>
-              <a:t> nun </a:t>
-            </a:r>
-            <a:r>
-              <a:rPr lang="en-US" baseline="0" dirty="0" err="1"/>
-              <a:t>aber</a:t>
-            </a:r>
-            <a:r>
-              <a:rPr lang="en-US" baseline="0" dirty="0"/>
-              <a:t> </a:t>
-            </a:r>
-            <a:r>
-              <a:rPr lang="en-US" baseline="0" dirty="0" err="1"/>
-              <a:t>endlich</a:t>
-            </a:r>
-            <a:r>
-              <a:rPr lang="en-US" baseline="0" dirty="0"/>
-              <a:t> </a:t>
-            </a:r>
-            <a:r>
-              <a:rPr lang="en-US" baseline="0" dirty="0" err="1"/>
-              <a:t>zum</a:t>
-            </a:r>
-            <a:r>
-              <a:rPr lang="en-US" baseline="0" dirty="0"/>
-              <a:t> </a:t>
-            </a:r>
-            <a:r>
-              <a:rPr lang="en-US" baseline="0" dirty="0" err="1"/>
-              <a:t>wichtigsten</a:t>
-            </a:r>
-            <a:r>
-              <a:rPr lang="en-US" baseline="0" dirty="0"/>
-              <a:t> </a:t>
-            </a:r>
-            <a:r>
-              <a:rPr lang="en-US" baseline="0" dirty="0" err="1"/>
-              <a:t>Teil</a:t>
-            </a:r>
-            <a:r>
-              <a:rPr lang="en-US" baseline="0" dirty="0"/>
-              <a:t> </a:t>
-            </a:r>
-            <a:r>
-              <a:rPr lang="en-US" baseline="0" dirty="0" err="1"/>
-              <a:t>dieser</a:t>
-            </a:r>
-            <a:r>
-              <a:rPr lang="en-US" baseline="0" dirty="0"/>
-              <a:t> </a:t>
-            </a:r>
-            <a:r>
-              <a:rPr lang="en-US" baseline="0" dirty="0" err="1"/>
-              <a:t>Praesentation</a:t>
-            </a:r>
-            <a:r>
-              <a:rPr lang="en-US" baseline="0" dirty="0"/>
-              <a:t>: </a:t>
-            </a:r>
-            <a:r>
-              <a:rPr lang="en-US" baseline="0" dirty="0" err="1"/>
-              <a:t>Unserem</a:t>
-            </a:r>
-            <a:r>
-              <a:rPr lang="en-US" baseline="0" dirty="0"/>
-              <a:t> Spiel </a:t>
-            </a:r>
-            <a:r>
-              <a:rPr lang="en-US" baseline="0" dirty="0">
-                <a:sym typeface="Wingdings" panose="05000000000000000000" pitchFamily="2" charset="2"/>
-              </a:rPr>
-              <a:t></a:t>
-            </a:r>
             <a:endParaRPr lang="de-DE" dirty="0"/>
           </a:p>
         </p:txBody>
@@ -3612,6 +1989,90 @@
     <p:extLst>
       <p:ext uri="{BB962C8B-B14F-4D97-AF65-F5344CB8AC3E}">
         <p14:creationId xmlns:p14="http://schemas.microsoft.com/office/powerpoint/2010/main" val="2414678745"/>
+      </p:ext>
+    </p:extLst>
+  </p:cSld>
+  <p:clrMapOvr>
+    <a:masterClrMapping/>
+  </p:clrMapOvr>
+</p:notes>
+</file>
+
+<file path=ppt/notesSlides/notesSlide6.xml><?xml version="1.0" encoding="utf-8"?>
+<p:notes xmlns:a="http://schemas.openxmlformats.org/drawingml/2006/main" xmlns:r="http://schemas.openxmlformats.org/officeDocument/2006/relationships" xmlns:p="http://schemas.openxmlformats.org/presentationml/2006/main">
+  <p:cSld>
+    <p:spTree>
+      <p:nvGrpSpPr>
+        <p:cNvPr id="1" name=""/>
+        <p:cNvGrpSpPr/>
+        <p:nvPr/>
+      </p:nvGrpSpPr>
+      <p:grpSpPr>
+        <a:xfrm>
+          <a:off x="0" y="0"/>
+          <a:ext cx="0" cy="0"/>
+          <a:chOff x="0" y="0"/>
+          <a:chExt cx="0" cy="0"/>
+        </a:xfrm>
+      </p:grpSpPr>
+      <p:sp>
+        <p:nvSpPr>
+          <p:cNvPr id="2" name="Folienbildplatzhalter 1"/>
+          <p:cNvSpPr>
+            <a:spLocks noGrp="1" noRot="1" noChangeAspect="1"/>
+          </p:cNvSpPr>
+          <p:nvPr>
+            <p:ph type="sldImg"/>
+          </p:nvPr>
+        </p:nvSpPr>
+        <p:spPr/>
+      </p:sp>
+      <p:sp>
+        <p:nvSpPr>
+          <p:cNvPr id="3" name="Notizenplatzhalter 2"/>
+          <p:cNvSpPr>
+            <a:spLocks noGrp="1"/>
+          </p:cNvSpPr>
+          <p:nvPr>
+            <p:ph type="body" idx="1"/>
+          </p:nvPr>
+        </p:nvSpPr>
+        <p:spPr/>
+        <p:txBody>
+          <a:bodyPr/>
+          <a:lstStyle/>
+          <a:p>
+            <a:endParaRPr lang="de-DE" dirty="0"/>
+          </a:p>
+        </p:txBody>
+      </p:sp>
+      <p:sp>
+        <p:nvSpPr>
+          <p:cNvPr id="4" name="Foliennummernplatzhalter 3"/>
+          <p:cNvSpPr>
+            <a:spLocks noGrp="1"/>
+          </p:cNvSpPr>
+          <p:nvPr>
+            <p:ph type="sldNum" sz="quarter" idx="10"/>
+          </p:nvPr>
+        </p:nvSpPr>
+        <p:spPr/>
+        <p:txBody>
+          <a:bodyPr/>
+          <a:lstStyle/>
+          <a:p>
+            <a:fld id="{4D56AC9C-3557-4516-B20A-3092AF400081}" type="slidenum">
+              <a:rPr lang="de-DE" smtClean="0"/>
+              <a:t>6</a:t>
+            </a:fld>
+            <a:endParaRPr lang="de-DE"/>
+          </a:p>
+        </p:txBody>
+      </p:sp>
+    </p:spTree>
+    <p:extLst>
+      <p:ext uri="{BB962C8B-B14F-4D97-AF65-F5344CB8AC3E}">
+        <p14:creationId xmlns:p14="http://schemas.microsoft.com/office/powerpoint/2010/main" val="174173265"/>
       </p:ext>
     </p:extLst>
   </p:cSld>
@@ -11521,6 +9982,1746 @@
         </p:blipFill>
         <p:spPr>
           <a:xfrm>
+            <a:off x="-8914" y="29626"/>
+            <a:ext cx="8826157" cy="4948014"/>
+          </a:xfrm>
+          <a:prstGeom prst="rect">
+            <a:avLst/>
+          </a:prstGeom>
+          <a:ln>
+            <a:noFill/>
+          </a:ln>
+          <a:effectLst>
+            <a:softEdge rad="317500"/>
+          </a:effectLst>
+        </p:spPr>
+      </p:pic>
+      <p:sp>
+        <p:nvSpPr>
+          <p:cNvPr id="2" name="Titel 1"/>
+          <p:cNvSpPr>
+            <a:spLocks noGrp="1"/>
+          </p:cNvSpPr>
+          <p:nvPr>
+            <p:ph type="ctrTitle"/>
+          </p:nvPr>
+        </p:nvSpPr>
+        <p:spPr>
+          <a:xfrm>
+            <a:off x="685800" y="303499"/>
+            <a:ext cx="7772400" cy="756083"/>
+          </a:xfrm>
+        </p:spPr>
+        <p:txBody>
+          <a:bodyPr>
+            <a:normAutofit/>
+          </a:bodyPr>
+          <a:lstStyle/>
+          <a:p>
+            <a:pPr algn="ctr"/>
+            <a:r>
+              <a:rPr lang="de-DE" dirty="0">
+                <a:latin typeface="MV Boli" pitchFamily="2" charset="0"/>
+                <a:cs typeface="MV Boli" pitchFamily="2" charset="0"/>
+              </a:rPr>
+              <a:t>Team Rex</a:t>
+            </a:r>
+            <a:endParaRPr lang="de-DE" sz="3600" dirty="0">
+              <a:latin typeface="MV Boli" pitchFamily="2" charset="0"/>
+              <a:cs typeface="MV Boli" pitchFamily="2" charset="0"/>
+            </a:endParaRPr>
+          </a:p>
+        </p:txBody>
+      </p:sp>
+      <p:sp>
+        <p:nvSpPr>
+          <p:cNvPr id="3" name="Untertitel 2"/>
+          <p:cNvSpPr>
+            <a:spLocks noGrp="1"/>
+          </p:cNvSpPr>
+          <p:nvPr>
+            <p:ph type="subTitle" idx="1"/>
+          </p:nvPr>
+        </p:nvSpPr>
+        <p:spPr>
+          <a:xfrm>
+            <a:off x="937828" y="2516903"/>
+            <a:ext cx="2590056" cy="690250"/>
+          </a:xfrm>
+        </p:spPr>
+        <p:txBody>
+          <a:bodyPr>
+            <a:normAutofit/>
+          </a:bodyPr>
+          <a:lstStyle/>
+          <a:p>
+            <a:pPr algn="l"/>
+            <a:r>
+              <a:rPr lang="de-DE" sz="2000" dirty="0" err="1">
+                <a:latin typeface="MV Boli" pitchFamily="2" charset="0"/>
+                <a:cs typeface="MV Boli" pitchFamily="2" charset="0"/>
+              </a:rPr>
+              <a:t>Artjom</a:t>
+            </a:r>
+            <a:r>
+              <a:rPr lang="de-DE" sz="2000" dirty="0">
+                <a:latin typeface="MV Boli" pitchFamily="2" charset="0"/>
+                <a:cs typeface="MV Boli" pitchFamily="2" charset="0"/>
+              </a:rPr>
+              <a:t> </a:t>
+            </a:r>
+            <a:r>
+              <a:rPr lang="de-DE" sz="2000" dirty="0" err="1">
+                <a:latin typeface="MV Boli" pitchFamily="2" charset="0"/>
+                <a:cs typeface="MV Boli" pitchFamily="2" charset="0"/>
+              </a:rPr>
+              <a:t>Schmitke</a:t>
+            </a:r>
+            <a:endParaRPr lang="de-DE" sz="2000" dirty="0">
+              <a:latin typeface="MV Boli" pitchFamily="2" charset="0"/>
+              <a:cs typeface="MV Boli" pitchFamily="2" charset="0"/>
+            </a:endParaRPr>
+          </a:p>
+        </p:txBody>
+      </p:sp>
+      <p:sp>
+        <p:nvSpPr>
+          <p:cNvPr id="6" name="Textfeld 5">
+            <a:extLst>
+              <a:ext uri="{FF2B5EF4-FFF2-40B4-BE49-F238E27FC236}">
+                <a16:creationId xmlns:a16="http://schemas.microsoft.com/office/drawing/2014/main" id="{9E9515BE-AA36-4949-A48E-F631C6C9A9FA}"/>
+              </a:ext>
+            </a:extLst>
+          </p:cNvPr>
+          <p:cNvSpPr txBox="1"/>
+          <p:nvPr/>
+        </p:nvSpPr>
+        <p:spPr>
+          <a:xfrm>
+            <a:off x="937828" y="2094828"/>
+            <a:ext cx="1941984" cy="400110"/>
+          </a:xfrm>
+          <a:prstGeom prst="rect">
+            <a:avLst/>
+          </a:prstGeom>
+          <a:noFill/>
+        </p:spPr>
+        <p:txBody>
+          <a:bodyPr wrap="square" rtlCol="0">
+            <a:spAutoFit/>
+          </a:bodyPr>
+          <a:lstStyle/>
+          <a:p>
+            <a:r>
+              <a:rPr lang="de-DE" sz="2000" i="1" u="sng" dirty="0" err="1">
+                <a:latin typeface="MV Boli" panose="02000500030200090000" pitchFamily="2" charset="0"/>
+                <a:cs typeface="MV Boli" panose="02000500030200090000" pitchFamily="2" charset="0"/>
+              </a:rPr>
+              <a:t>Programmer</a:t>
+            </a:r>
+            <a:r>
+              <a:rPr lang="de-DE" sz="2000" i="1" u="sng" dirty="0">
+                <a:latin typeface="MV Boli" panose="02000500030200090000" pitchFamily="2" charset="0"/>
+                <a:cs typeface="MV Boli" panose="02000500030200090000" pitchFamily="2" charset="0"/>
+              </a:rPr>
+              <a:t>:</a:t>
+            </a:r>
+          </a:p>
+        </p:txBody>
+      </p:sp>
+      <p:sp>
+        <p:nvSpPr>
+          <p:cNvPr id="9" name="Textfeld 8">
+            <a:extLst>
+              <a:ext uri="{FF2B5EF4-FFF2-40B4-BE49-F238E27FC236}">
+                <a16:creationId xmlns:a16="http://schemas.microsoft.com/office/drawing/2014/main" id="{31149CAF-C43C-4720-8EB9-DC920954CF18}"/>
+              </a:ext>
+            </a:extLst>
+          </p:cNvPr>
+          <p:cNvSpPr txBox="1"/>
+          <p:nvPr/>
+        </p:nvSpPr>
+        <p:spPr>
+          <a:xfrm>
+            <a:off x="1331640" y="3207054"/>
+            <a:ext cx="2446040" cy="400110"/>
+          </a:xfrm>
+          <a:prstGeom prst="rect">
+            <a:avLst/>
+          </a:prstGeom>
+          <a:noFill/>
+        </p:spPr>
+        <p:txBody>
+          <a:bodyPr wrap="square" rtlCol="0">
+            <a:spAutoFit/>
+          </a:bodyPr>
+          <a:lstStyle/>
+          <a:p>
+            <a:r>
+              <a:rPr lang="de-DE" sz="2000" i="1" u="sng" dirty="0">
+                <a:latin typeface="MV Boli" panose="02000500030200090000" pitchFamily="2" charset="0"/>
+                <a:cs typeface="MV Boli" panose="02000500030200090000" pitchFamily="2" charset="0"/>
+              </a:rPr>
+              <a:t>Game Designer:</a:t>
+            </a:r>
+          </a:p>
+        </p:txBody>
+      </p:sp>
+      <p:sp>
+        <p:nvSpPr>
+          <p:cNvPr id="11" name="Untertitel 2">
+            <a:extLst>
+              <a:ext uri="{FF2B5EF4-FFF2-40B4-BE49-F238E27FC236}">
+                <a16:creationId xmlns:a16="http://schemas.microsoft.com/office/drawing/2014/main" id="{6E4C3AB1-CE8E-4BE8-AAFE-2299FF63AF68}"/>
+              </a:ext>
+            </a:extLst>
+          </p:cNvPr>
+          <p:cNvSpPr txBox="1">
+            <a:spLocks/>
+          </p:cNvSpPr>
+          <p:nvPr/>
+        </p:nvSpPr>
+        <p:spPr>
+          <a:xfrm>
+            <a:off x="1329307" y="3634821"/>
+            <a:ext cx="2590056" cy="690250"/>
+          </a:xfrm>
+          <a:prstGeom prst="rect">
+            <a:avLst/>
+          </a:prstGeom>
+        </p:spPr>
+        <p:txBody>
+          <a:bodyPr vert="horz" lIns="91440" tIns="45720" rIns="91440" bIns="45720" rtlCol="0">
+            <a:normAutofit/>
+          </a:bodyPr>
+          <a:lstStyle>
+            <a:lvl1pPr marL="0" indent="0" algn="ctr" defTabSz="685800" rtl="0" eaLnBrk="1" latinLnBrk="0" hangingPunct="1">
+              <a:lnSpc>
+                <a:spcPct val="120000"/>
+              </a:lnSpc>
+              <a:spcBef>
+                <a:spcPts val="750"/>
+              </a:spcBef>
+              <a:buFont typeface="Arial" panose="020B0604020202020204" pitchFamily="34" charset="0"/>
+              <a:buNone/>
+              <a:defRPr sz="1800" kern="1200">
+                <a:solidFill>
+                  <a:schemeClr val="tx1"/>
+                </a:solidFill>
+                <a:effectLst>
+                  <a:outerShdw blurRad="50800" dist="38100" dir="2700000" algn="tl" rotWithShape="0">
+                    <a:srgbClr val="000000">
+                      <a:alpha val="48000"/>
+                    </a:srgbClr>
+                  </a:outerShdw>
+                </a:effectLst>
+                <a:latin typeface="+mn-lt"/>
+                <a:ea typeface="+mn-ea"/>
+                <a:cs typeface="+mn-cs"/>
+              </a:defRPr>
+            </a:lvl1pPr>
+            <a:lvl2pPr marL="342900" indent="0" algn="ctr" defTabSz="685800" rtl="0" eaLnBrk="1" latinLnBrk="0" hangingPunct="1">
+              <a:lnSpc>
+                <a:spcPct val="120000"/>
+              </a:lnSpc>
+              <a:spcBef>
+                <a:spcPts val="375"/>
+              </a:spcBef>
+              <a:buFont typeface="Arial" panose="020B0604020202020204" pitchFamily="34" charset="0"/>
+              <a:buNone/>
+              <a:defRPr sz="1500" kern="1200">
+                <a:solidFill>
+                  <a:schemeClr val="tx1"/>
+                </a:solidFill>
+                <a:effectLst>
+                  <a:outerShdw blurRad="50800" dist="38100" dir="2700000" algn="tl" rotWithShape="0">
+                    <a:srgbClr val="000000">
+                      <a:alpha val="48000"/>
+                    </a:srgbClr>
+                  </a:outerShdw>
+                </a:effectLst>
+                <a:latin typeface="+mn-lt"/>
+                <a:ea typeface="+mn-ea"/>
+                <a:cs typeface="+mn-cs"/>
+              </a:defRPr>
+            </a:lvl2pPr>
+            <a:lvl3pPr marL="685800" indent="0" algn="ctr" defTabSz="685800" rtl="0" eaLnBrk="1" latinLnBrk="0" hangingPunct="1">
+              <a:lnSpc>
+                <a:spcPct val="120000"/>
+              </a:lnSpc>
+              <a:spcBef>
+                <a:spcPts val="375"/>
+              </a:spcBef>
+              <a:buFont typeface="Arial" panose="020B0604020202020204" pitchFamily="34" charset="0"/>
+              <a:buNone/>
+              <a:defRPr sz="1350" kern="1200">
+                <a:solidFill>
+                  <a:schemeClr val="tx1"/>
+                </a:solidFill>
+                <a:effectLst>
+                  <a:outerShdw blurRad="50800" dist="38100" dir="2700000" algn="tl" rotWithShape="0">
+                    <a:srgbClr val="000000">
+                      <a:alpha val="48000"/>
+                    </a:srgbClr>
+                  </a:outerShdw>
+                </a:effectLst>
+                <a:latin typeface="+mn-lt"/>
+                <a:ea typeface="+mn-ea"/>
+                <a:cs typeface="+mn-cs"/>
+              </a:defRPr>
+            </a:lvl3pPr>
+            <a:lvl4pPr marL="1028700" indent="0" algn="ctr" defTabSz="685800" rtl="0" eaLnBrk="1" latinLnBrk="0" hangingPunct="1">
+              <a:lnSpc>
+                <a:spcPct val="120000"/>
+              </a:lnSpc>
+              <a:spcBef>
+                <a:spcPts val="375"/>
+              </a:spcBef>
+              <a:buFont typeface="Arial" panose="020B0604020202020204" pitchFamily="34" charset="0"/>
+              <a:buNone/>
+              <a:defRPr sz="1200" kern="1200">
+                <a:solidFill>
+                  <a:schemeClr val="tx1"/>
+                </a:solidFill>
+                <a:effectLst>
+                  <a:outerShdw blurRad="50800" dist="38100" dir="2700000" algn="tl" rotWithShape="0">
+                    <a:srgbClr val="000000">
+                      <a:alpha val="48000"/>
+                    </a:srgbClr>
+                  </a:outerShdw>
+                </a:effectLst>
+                <a:latin typeface="+mn-lt"/>
+                <a:ea typeface="+mn-ea"/>
+                <a:cs typeface="+mn-cs"/>
+              </a:defRPr>
+            </a:lvl4pPr>
+            <a:lvl5pPr marL="1371600" indent="0" algn="ctr" defTabSz="685800" rtl="0" eaLnBrk="1" latinLnBrk="0" hangingPunct="1">
+              <a:lnSpc>
+                <a:spcPct val="120000"/>
+              </a:lnSpc>
+              <a:spcBef>
+                <a:spcPts val="375"/>
+              </a:spcBef>
+              <a:buFont typeface="Arial" panose="020B0604020202020204" pitchFamily="34" charset="0"/>
+              <a:buNone/>
+              <a:defRPr sz="1200" kern="1200">
+                <a:solidFill>
+                  <a:schemeClr val="tx1"/>
+                </a:solidFill>
+                <a:effectLst>
+                  <a:outerShdw blurRad="50800" dist="38100" dir="2700000" algn="tl" rotWithShape="0">
+                    <a:srgbClr val="000000">
+                      <a:alpha val="48000"/>
+                    </a:srgbClr>
+                  </a:outerShdw>
+                </a:effectLst>
+                <a:latin typeface="+mn-lt"/>
+                <a:ea typeface="+mn-ea"/>
+                <a:cs typeface="+mn-cs"/>
+              </a:defRPr>
+            </a:lvl5pPr>
+            <a:lvl6pPr marL="1714500" indent="0" algn="ctr" defTabSz="685800" rtl="0" eaLnBrk="1" latinLnBrk="0" hangingPunct="1">
+              <a:lnSpc>
+                <a:spcPct val="120000"/>
+              </a:lnSpc>
+              <a:spcBef>
+                <a:spcPts val="375"/>
+              </a:spcBef>
+              <a:buFont typeface="Arial" panose="020B0604020202020204" pitchFamily="34" charset="0"/>
+              <a:buNone/>
+              <a:defRPr sz="1200" kern="1200">
+                <a:solidFill>
+                  <a:schemeClr val="tx1"/>
+                </a:solidFill>
+                <a:effectLst>
+                  <a:outerShdw blurRad="50800" dist="38100" dir="2700000" algn="tl" rotWithShape="0">
+                    <a:srgbClr val="000000">
+                      <a:alpha val="48000"/>
+                    </a:srgbClr>
+                  </a:outerShdw>
+                </a:effectLst>
+                <a:latin typeface="+mn-lt"/>
+                <a:ea typeface="+mn-ea"/>
+                <a:cs typeface="+mn-cs"/>
+              </a:defRPr>
+            </a:lvl6pPr>
+            <a:lvl7pPr marL="2057400" indent="0" algn="ctr" defTabSz="685800" rtl="0" eaLnBrk="1" latinLnBrk="0" hangingPunct="1">
+              <a:lnSpc>
+                <a:spcPct val="120000"/>
+              </a:lnSpc>
+              <a:spcBef>
+                <a:spcPts val="375"/>
+              </a:spcBef>
+              <a:buFont typeface="Arial" panose="020B0604020202020204" pitchFamily="34" charset="0"/>
+              <a:buNone/>
+              <a:defRPr sz="1200" kern="1200">
+                <a:solidFill>
+                  <a:schemeClr val="tx1"/>
+                </a:solidFill>
+                <a:effectLst>
+                  <a:outerShdw blurRad="50800" dist="38100" dir="2700000" algn="tl" rotWithShape="0">
+                    <a:srgbClr val="000000">
+                      <a:alpha val="48000"/>
+                    </a:srgbClr>
+                  </a:outerShdw>
+                </a:effectLst>
+                <a:latin typeface="+mn-lt"/>
+                <a:ea typeface="+mn-ea"/>
+                <a:cs typeface="+mn-cs"/>
+              </a:defRPr>
+            </a:lvl7pPr>
+            <a:lvl8pPr marL="2400300" indent="0" algn="ctr" defTabSz="685800" rtl="0" eaLnBrk="1" latinLnBrk="0" hangingPunct="1">
+              <a:lnSpc>
+                <a:spcPct val="120000"/>
+              </a:lnSpc>
+              <a:spcBef>
+                <a:spcPts val="375"/>
+              </a:spcBef>
+              <a:buFont typeface="Arial" panose="020B0604020202020204" pitchFamily="34" charset="0"/>
+              <a:buNone/>
+              <a:defRPr sz="1200" kern="1200">
+                <a:solidFill>
+                  <a:schemeClr val="tx1"/>
+                </a:solidFill>
+                <a:effectLst>
+                  <a:outerShdw blurRad="50800" dist="38100" dir="2700000" algn="tl" rotWithShape="0">
+                    <a:srgbClr val="000000">
+                      <a:alpha val="48000"/>
+                    </a:srgbClr>
+                  </a:outerShdw>
+                </a:effectLst>
+                <a:latin typeface="+mn-lt"/>
+                <a:ea typeface="+mn-ea"/>
+                <a:cs typeface="+mn-cs"/>
+              </a:defRPr>
+            </a:lvl8pPr>
+            <a:lvl9pPr marL="2743200" indent="0" algn="ctr" defTabSz="685800" rtl="0" eaLnBrk="1" latinLnBrk="0" hangingPunct="1">
+              <a:lnSpc>
+                <a:spcPct val="120000"/>
+              </a:lnSpc>
+              <a:spcBef>
+                <a:spcPts val="375"/>
+              </a:spcBef>
+              <a:buFont typeface="Arial" panose="020B0604020202020204" pitchFamily="34" charset="0"/>
+              <a:buNone/>
+              <a:defRPr sz="1200" kern="1200">
+                <a:solidFill>
+                  <a:schemeClr val="tx1"/>
+                </a:solidFill>
+                <a:effectLst>
+                  <a:outerShdw blurRad="50800" dist="38100" dir="2700000" algn="tl" rotWithShape="0">
+                    <a:srgbClr val="000000">
+                      <a:alpha val="48000"/>
+                    </a:srgbClr>
+                  </a:outerShdw>
+                </a:effectLst>
+                <a:latin typeface="+mn-lt"/>
+                <a:ea typeface="+mn-ea"/>
+                <a:cs typeface="+mn-cs"/>
+              </a:defRPr>
+            </a:lvl9pPr>
+          </a:lstStyle>
+          <a:p>
+            <a:pPr algn="l"/>
+            <a:r>
+              <a:rPr lang="de-DE" sz="2000" dirty="0">
+                <a:latin typeface="MV Boli" pitchFamily="2" charset="0"/>
+                <a:cs typeface="MV Boli" pitchFamily="2" charset="0"/>
+              </a:rPr>
+              <a:t>Tobias Schuster</a:t>
+            </a:r>
+          </a:p>
+        </p:txBody>
+      </p:sp>
+      <p:sp>
+        <p:nvSpPr>
+          <p:cNvPr id="12" name="Textfeld 11">
+            <a:extLst>
+              <a:ext uri="{FF2B5EF4-FFF2-40B4-BE49-F238E27FC236}">
+                <a16:creationId xmlns:a16="http://schemas.microsoft.com/office/drawing/2014/main" id="{AEEFED0C-9FF4-4322-9B32-C1E10CBD9875}"/>
+              </a:ext>
+            </a:extLst>
+          </p:cNvPr>
+          <p:cNvSpPr txBox="1"/>
+          <p:nvPr/>
+        </p:nvSpPr>
+        <p:spPr>
+          <a:xfrm>
+            <a:off x="685800" y="1071699"/>
+            <a:ext cx="2446040" cy="400110"/>
+          </a:xfrm>
+          <a:prstGeom prst="rect">
+            <a:avLst/>
+          </a:prstGeom>
+          <a:noFill/>
+        </p:spPr>
+        <p:txBody>
+          <a:bodyPr wrap="square" rtlCol="0">
+            <a:spAutoFit/>
+          </a:bodyPr>
+          <a:lstStyle/>
+          <a:p>
+            <a:r>
+              <a:rPr lang="de-DE" sz="2000" i="1" u="sng" dirty="0">
+                <a:latin typeface="MV Boli" panose="02000500030200090000" pitchFamily="2" charset="0"/>
+                <a:cs typeface="MV Boli" panose="02000500030200090000" pitchFamily="2" charset="0"/>
+              </a:rPr>
+              <a:t>Producer:</a:t>
+            </a:r>
+          </a:p>
+        </p:txBody>
+      </p:sp>
+      <p:sp>
+        <p:nvSpPr>
+          <p:cNvPr id="13" name="Untertitel 2">
+            <a:extLst>
+              <a:ext uri="{FF2B5EF4-FFF2-40B4-BE49-F238E27FC236}">
+                <a16:creationId xmlns:a16="http://schemas.microsoft.com/office/drawing/2014/main" id="{54350324-3D00-484E-BA3D-52E8AFDA4134}"/>
+              </a:ext>
+            </a:extLst>
+          </p:cNvPr>
+          <p:cNvSpPr txBox="1">
+            <a:spLocks/>
+          </p:cNvSpPr>
+          <p:nvPr/>
+        </p:nvSpPr>
+        <p:spPr>
+          <a:xfrm>
+            <a:off x="685800" y="1459692"/>
+            <a:ext cx="2590056" cy="690250"/>
+          </a:xfrm>
+          <a:prstGeom prst="rect">
+            <a:avLst/>
+          </a:prstGeom>
+        </p:spPr>
+        <p:txBody>
+          <a:bodyPr vert="horz" lIns="91440" tIns="45720" rIns="91440" bIns="45720" rtlCol="0">
+            <a:normAutofit/>
+          </a:bodyPr>
+          <a:lstStyle>
+            <a:lvl1pPr marL="0" indent="0" algn="ctr" defTabSz="685800" rtl="0" eaLnBrk="1" latinLnBrk="0" hangingPunct="1">
+              <a:lnSpc>
+                <a:spcPct val="120000"/>
+              </a:lnSpc>
+              <a:spcBef>
+                <a:spcPts val="750"/>
+              </a:spcBef>
+              <a:buFont typeface="Arial" panose="020B0604020202020204" pitchFamily="34" charset="0"/>
+              <a:buNone/>
+              <a:defRPr sz="1800" kern="1200">
+                <a:solidFill>
+                  <a:schemeClr val="tx1"/>
+                </a:solidFill>
+                <a:effectLst>
+                  <a:outerShdw blurRad="50800" dist="38100" dir="2700000" algn="tl" rotWithShape="0">
+                    <a:srgbClr val="000000">
+                      <a:alpha val="48000"/>
+                    </a:srgbClr>
+                  </a:outerShdw>
+                </a:effectLst>
+                <a:latin typeface="+mn-lt"/>
+                <a:ea typeface="+mn-ea"/>
+                <a:cs typeface="+mn-cs"/>
+              </a:defRPr>
+            </a:lvl1pPr>
+            <a:lvl2pPr marL="342900" indent="0" algn="ctr" defTabSz="685800" rtl="0" eaLnBrk="1" latinLnBrk="0" hangingPunct="1">
+              <a:lnSpc>
+                <a:spcPct val="120000"/>
+              </a:lnSpc>
+              <a:spcBef>
+                <a:spcPts val="375"/>
+              </a:spcBef>
+              <a:buFont typeface="Arial" panose="020B0604020202020204" pitchFamily="34" charset="0"/>
+              <a:buNone/>
+              <a:defRPr sz="1500" kern="1200">
+                <a:solidFill>
+                  <a:schemeClr val="tx1"/>
+                </a:solidFill>
+                <a:effectLst>
+                  <a:outerShdw blurRad="50800" dist="38100" dir="2700000" algn="tl" rotWithShape="0">
+                    <a:srgbClr val="000000">
+                      <a:alpha val="48000"/>
+                    </a:srgbClr>
+                  </a:outerShdw>
+                </a:effectLst>
+                <a:latin typeface="+mn-lt"/>
+                <a:ea typeface="+mn-ea"/>
+                <a:cs typeface="+mn-cs"/>
+              </a:defRPr>
+            </a:lvl2pPr>
+            <a:lvl3pPr marL="685800" indent="0" algn="ctr" defTabSz="685800" rtl="0" eaLnBrk="1" latinLnBrk="0" hangingPunct="1">
+              <a:lnSpc>
+                <a:spcPct val="120000"/>
+              </a:lnSpc>
+              <a:spcBef>
+                <a:spcPts val="375"/>
+              </a:spcBef>
+              <a:buFont typeface="Arial" panose="020B0604020202020204" pitchFamily="34" charset="0"/>
+              <a:buNone/>
+              <a:defRPr sz="1350" kern="1200">
+                <a:solidFill>
+                  <a:schemeClr val="tx1"/>
+                </a:solidFill>
+                <a:effectLst>
+                  <a:outerShdw blurRad="50800" dist="38100" dir="2700000" algn="tl" rotWithShape="0">
+                    <a:srgbClr val="000000">
+                      <a:alpha val="48000"/>
+                    </a:srgbClr>
+                  </a:outerShdw>
+                </a:effectLst>
+                <a:latin typeface="+mn-lt"/>
+                <a:ea typeface="+mn-ea"/>
+                <a:cs typeface="+mn-cs"/>
+              </a:defRPr>
+            </a:lvl3pPr>
+            <a:lvl4pPr marL="1028700" indent="0" algn="ctr" defTabSz="685800" rtl="0" eaLnBrk="1" latinLnBrk="0" hangingPunct="1">
+              <a:lnSpc>
+                <a:spcPct val="120000"/>
+              </a:lnSpc>
+              <a:spcBef>
+                <a:spcPts val="375"/>
+              </a:spcBef>
+              <a:buFont typeface="Arial" panose="020B0604020202020204" pitchFamily="34" charset="0"/>
+              <a:buNone/>
+              <a:defRPr sz="1200" kern="1200">
+                <a:solidFill>
+                  <a:schemeClr val="tx1"/>
+                </a:solidFill>
+                <a:effectLst>
+                  <a:outerShdw blurRad="50800" dist="38100" dir="2700000" algn="tl" rotWithShape="0">
+                    <a:srgbClr val="000000">
+                      <a:alpha val="48000"/>
+                    </a:srgbClr>
+                  </a:outerShdw>
+                </a:effectLst>
+                <a:latin typeface="+mn-lt"/>
+                <a:ea typeface="+mn-ea"/>
+                <a:cs typeface="+mn-cs"/>
+              </a:defRPr>
+            </a:lvl4pPr>
+            <a:lvl5pPr marL="1371600" indent="0" algn="ctr" defTabSz="685800" rtl="0" eaLnBrk="1" latinLnBrk="0" hangingPunct="1">
+              <a:lnSpc>
+                <a:spcPct val="120000"/>
+              </a:lnSpc>
+              <a:spcBef>
+                <a:spcPts val="375"/>
+              </a:spcBef>
+              <a:buFont typeface="Arial" panose="020B0604020202020204" pitchFamily="34" charset="0"/>
+              <a:buNone/>
+              <a:defRPr sz="1200" kern="1200">
+                <a:solidFill>
+                  <a:schemeClr val="tx1"/>
+                </a:solidFill>
+                <a:effectLst>
+                  <a:outerShdw blurRad="50800" dist="38100" dir="2700000" algn="tl" rotWithShape="0">
+                    <a:srgbClr val="000000">
+                      <a:alpha val="48000"/>
+                    </a:srgbClr>
+                  </a:outerShdw>
+                </a:effectLst>
+                <a:latin typeface="+mn-lt"/>
+                <a:ea typeface="+mn-ea"/>
+                <a:cs typeface="+mn-cs"/>
+              </a:defRPr>
+            </a:lvl5pPr>
+            <a:lvl6pPr marL="1714500" indent="0" algn="ctr" defTabSz="685800" rtl="0" eaLnBrk="1" latinLnBrk="0" hangingPunct="1">
+              <a:lnSpc>
+                <a:spcPct val="120000"/>
+              </a:lnSpc>
+              <a:spcBef>
+                <a:spcPts val="375"/>
+              </a:spcBef>
+              <a:buFont typeface="Arial" panose="020B0604020202020204" pitchFamily="34" charset="0"/>
+              <a:buNone/>
+              <a:defRPr sz="1200" kern="1200">
+                <a:solidFill>
+                  <a:schemeClr val="tx1"/>
+                </a:solidFill>
+                <a:effectLst>
+                  <a:outerShdw blurRad="50800" dist="38100" dir="2700000" algn="tl" rotWithShape="0">
+                    <a:srgbClr val="000000">
+                      <a:alpha val="48000"/>
+                    </a:srgbClr>
+                  </a:outerShdw>
+                </a:effectLst>
+                <a:latin typeface="+mn-lt"/>
+                <a:ea typeface="+mn-ea"/>
+                <a:cs typeface="+mn-cs"/>
+              </a:defRPr>
+            </a:lvl6pPr>
+            <a:lvl7pPr marL="2057400" indent="0" algn="ctr" defTabSz="685800" rtl="0" eaLnBrk="1" latinLnBrk="0" hangingPunct="1">
+              <a:lnSpc>
+                <a:spcPct val="120000"/>
+              </a:lnSpc>
+              <a:spcBef>
+                <a:spcPts val="375"/>
+              </a:spcBef>
+              <a:buFont typeface="Arial" panose="020B0604020202020204" pitchFamily="34" charset="0"/>
+              <a:buNone/>
+              <a:defRPr sz="1200" kern="1200">
+                <a:solidFill>
+                  <a:schemeClr val="tx1"/>
+                </a:solidFill>
+                <a:effectLst>
+                  <a:outerShdw blurRad="50800" dist="38100" dir="2700000" algn="tl" rotWithShape="0">
+                    <a:srgbClr val="000000">
+                      <a:alpha val="48000"/>
+                    </a:srgbClr>
+                  </a:outerShdw>
+                </a:effectLst>
+                <a:latin typeface="+mn-lt"/>
+                <a:ea typeface="+mn-ea"/>
+                <a:cs typeface="+mn-cs"/>
+              </a:defRPr>
+            </a:lvl7pPr>
+            <a:lvl8pPr marL="2400300" indent="0" algn="ctr" defTabSz="685800" rtl="0" eaLnBrk="1" latinLnBrk="0" hangingPunct="1">
+              <a:lnSpc>
+                <a:spcPct val="120000"/>
+              </a:lnSpc>
+              <a:spcBef>
+                <a:spcPts val="375"/>
+              </a:spcBef>
+              <a:buFont typeface="Arial" panose="020B0604020202020204" pitchFamily="34" charset="0"/>
+              <a:buNone/>
+              <a:defRPr sz="1200" kern="1200">
+                <a:solidFill>
+                  <a:schemeClr val="tx1"/>
+                </a:solidFill>
+                <a:effectLst>
+                  <a:outerShdw blurRad="50800" dist="38100" dir="2700000" algn="tl" rotWithShape="0">
+                    <a:srgbClr val="000000">
+                      <a:alpha val="48000"/>
+                    </a:srgbClr>
+                  </a:outerShdw>
+                </a:effectLst>
+                <a:latin typeface="+mn-lt"/>
+                <a:ea typeface="+mn-ea"/>
+                <a:cs typeface="+mn-cs"/>
+              </a:defRPr>
+            </a:lvl8pPr>
+            <a:lvl9pPr marL="2743200" indent="0" algn="ctr" defTabSz="685800" rtl="0" eaLnBrk="1" latinLnBrk="0" hangingPunct="1">
+              <a:lnSpc>
+                <a:spcPct val="120000"/>
+              </a:lnSpc>
+              <a:spcBef>
+                <a:spcPts val="375"/>
+              </a:spcBef>
+              <a:buFont typeface="Arial" panose="020B0604020202020204" pitchFamily="34" charset="0"/>
+              <a:buNone/>
+              <a:defRPr sz="1200" kern="1200">
+                <a:solidFill>
+                  <a:schemeClr val="tx1"/>
+                </a:solidFill>
+                <a:effectLst>
+                  <a:outerShdw blurRad="50800" dist="38100" dir="2700000" algn="tl" rotWithShape="0">
+                    <a:srgbClr val="000000">
+                      <a:alpha val="48000"/>
+                    </a:srgbClr>
+                  </a:outerShdw>
+                </a:effectLst>
+                <a:latin typeface="+mn-lt"/>
+                <a:ea typeface="+mn-ea"/>
+                <a:cs typeface="+mn-cs"/>
+              </a:defRPr>
+            </a:lvl9pPr>
+          </a:lstStyle>
+          <a:p>
+            <a:pPr algn="l"/>
+            <a:r>
+              <a:rPr lang="de-DE" sz="2000" dirty="0">
+                <a:latin typeface="MV Boli" pitchFamily="2" charset="0"/>
+                <a:cs typeface="MV Boli" pitchFamily="2" charset="0"/>
+              </a:rPr>
+              <a:t>Sonja Köck</a:t>
+            </a:r>
+          </a:p>
+        </p:txBody>
+      </p:sp>
+    </p:spTree>
+    <p:extLst>
+      <p:ext uri="{BB962C8B-B14F-4D97-AF65-F5344CB8AC3E}">
+        <p14:creationId xmlns:p14="http://schemas.microsoft.com/office/powerpoint/2010/main" val="1268601186"/>
+      </p:ext>
+    </p:extLst>
+  </p:cSld>
+  <p:clrMapOvr>
+    <a:masterClrMapping/>
+  </p:clrMapOvr>
+  <p:timing>
+    <p:tnLst>
+      <p:par>
+        <p:cTn id="1" dur="indefinite" restart="never" nodeType="tmRoot">
+          <p:childTnLst>
+            <p:seq concurrent="1" nextAc="seek">
+              <p:cTn id="2" dur="indefinite" nodeType="mainSeq">
+                <p:childTnLst>
+                  <p:par>
+                    <p:cTn id="3" fill="hold">
+                      <p:stCondLst>
+                        <p:cond delay="indefinite"/>
+                        <p:cond evt="onBegin" delay="0">
+                          <p:tn val="2"/>
+                        </p:cond>
+                      </p:stCondLst>
+                      <p:childTnLst>
+                        <p:par>
+                          <p:cTn id="4" fill="hold">
+                            <p:stCondLst>
+                              <p:cond delay="0"/>
+                            </p:stCondLst>
+                            <p:childTnLst>
+                              <p:par>
+                                <p:cTn id="5" presetID="1" presetClass="entr" presetSubtype="0" fill="hold" grpId="0" nodeType="withEffect">
+                                  <p:stCondLst>
+                                    <p:cond delay="0"/>
+                                  </p:stCondLst>
+                                  <p:childTnLst>
+                                    <p:set>
+                                      <p:cBhvr>
+                                        <p:cTn id="6" dur="1" fill="hold">
+                                          <p:stCondLst>
+                                            <p:cond delay="0"/>
+                                          </p:stCondLst>
+                                        </p:cTn>
+                                        <p:tgtEl>
+                                          <p:spTgt spid="2"/>
+                                        </p:tgtEl>
+                                        <p:attrNameLst>
+                                          <p:attrName>style.visibility</p:attrName>
+                                        </p:attrNameLst>
+                                      </p:cBhvr>
+                                      <p:to>
+                                        <p:strVal val="visible"/>
+                                      </p:to>
+                                    </p:set>
+                                  </p:childTnLst>
+                                </p:cTn>
+                              </p:par>
+                            </p:childTnLst>
+                          </p:cTn>
+                        </p:par>
+                        <p:par>
+                          <p:cTn id="7" fill="hold">
+                            <p:stCondLst>
+                              <p:cond delay="0"/>
+                            </p:stCondLst>
+                            <p:childTnLst>
+                              <p:par>
+                                <p:cTn id="8" presetID="22" presetClass="entr" presetSubtype="8" fill="hold" nodeType="afterEffect">
+                                  <p:stCondLst>
+                                    <p:cond delay="750"/>
+                                  </p:stCondLst>
+                                  <p:childTnLst>
+                                    <p:set>
+                                      <p:cBhvr>
+                                        <p:cTn id="9" dur="1" fill="hold">
+                                          <p:stCondLst>
+                                            <p:cond delay="0"/>
+                                          </p:stCondLst>
+                                        </p:cTn>
+                                        <p:tgtEl>
+                                          <p:spTgt spid="3">
+                                            <p:txEl>
+                                              <p:pRg st="0" end="0"/>
+                                            </p:txEl>
+                                          </p:spTgt>
+                                        </p:tgtEl>
+                                        <p:attrNameLst>
+                                          <p:attrName>style.visibility</p:attrName>
+                                        </p:attrNameLst>
+                                      </p:cBhvr>
+                                      <p:to>
+                                        <p:strVal val="visible"/>
+                                      </p:to>
+                                    </p:set>
+                                    <p:animEffect transition="in" filter="wipe(left)">
+                                      <p:cBhvr>
+                                        <p:cTn id="10" dur="500"/>
+                                        <p:tgtEl>
+                                          <p:spTgt spid="3">
+                                            <p:txEl>
+                                              <p:pRg st="0" end="0"/>
+                                            </p:txEl>
+                                          </p:spTgt>
+                                        </p:tgtEl>
+                                      </p:cBhvr>
+                                    </p:animEffect>
+                                  </p:childTnLst>
+                                </p:cTn>
+                              </p:par>
+                            </p:childTnLst>
+                          </p:cTn>
+                        </p:par>
+                        <p:par>
+                          <p:cTn id="11" fill="hold">
+                            <p:stCondLst>
+                              <p:cond delay="1250"/>
+                            </p:stCondLst>
+                            <p:childTnLst>
+                              <p:par>
+                                <p:cTn id="12" presetID="22" presetClass="entr" presetSubtype="8" fill="hold" nodeType="afterEffect">
+                                  <p:stCondLst>
+                                    <p:cond delay="750"/>
+                                  </p:stCondLst>
+                                  <p:childTnLst>
+                                    <p:set>
+                                      <p:cBhvr>
+                                        <p:cTn id="13" dur="1" fill="hold">
+                                          <p:stCondLst>
+                                            <p:cond delay="0"/>
+                                          </p:stCondLst>
+                                        </p:cTn>
+                                        <p:tgtEl>
+                                          <p:spTgt spid="11">
+                                            <p:txEl>
+                                              <p:pRg st="0" end="0"/>
+                                            </p:txEl>
+                                          </p:spTgt>
+                                        </p:tgtEl>
+                                        <p:attrNameLst>
+                                          <p:attrName>style.visibility</p:attrName>
+                                        </p:attrNameLst>
+                                      </p:cBhvr>
+                                      <p:to>
+                                        <p:strVal val="visible"/>
+                                      </p:to>
+                                    </p:set>
+                                    <p:animEffect transition="in" filter="wipe(left)">
+                                      <p:cBhvr>
+                                        <p:cTn id="14" dur="500"/>
+                                        <p:tgtEl>
+                                          <p:spTgt spid="11">
+                                            <p:txEl>
+                                              <p:pRg st="0" end="0"/>
+                                            </p:txEl>
+                                          </p:spTgt>
+                                        </p:tgtEl>
+                                      </p:cBhvr>
+                                    </p:animEffect>
+                                  </p:childTnLst>
+                                </p:cTn>
+                              </p:par>
+                            </p:childTnLst>
+                          </p:cTn>
+                        </p:par>
+                        <p:par>
+                          <p:cTn id="15" fill="hold">
+                            <p:stCondLst>
+                              <p:cond delay="2500"/>
+                            </p:stCondLst>
+                            <p:childTnLst>
+                              <p:par>
+                                <p:cTn id="16" presetID="22" presetClass="entr" presetSubtype="8" fill="hold" nodeType="afterEffect">
+                                  <p:stCondLst>
+                                    <p:cond delay="750"/>
+                                  </p:stCondLst>
+                                  <p:childTnLst>
+                                    <p:set>
+                                      <p:cBhvr>
+                                        <p:cTn id="17" dur="1" fill="hold">
+                                          <p:stCondLst>
+                                            <p:cond delay="0"/>
+                                          </p:stCondLst>
+                                        </p:cTn>
+                                        <p:tgtEl>
+                                          <p:spTgt spid="13">
+                                            <p:txEl>
+                                              <p:pRg st="0" end="0"/>
+                                            </p:txEl>
+                                          </p:spTgt>
+                                        </p:tgtEl>
+                                        <p:attrNameLst>
+                                          <p:attrName>style.visibility</p:attrName>
+                                        </p:attrNameLst>
+                                      </p:cBhvr>
+                                      <p:to>
+                                        <p:strVal val="visible"/>
+                                      </p:to>
+                                    </p:set>
+                                    <p:animEffect transition="in" filter="wipe(left)">
+                                      <p:cBhvr>
+                                        <p:cTn id="18" dur="500"/>
+                                        <p:tgtEl>
+                                          <p:spTgt spid="13">
+                                            <p:txEl>
+                                              <p:pRg st="0" end="0"/>
+                                            </p:txEl>
+                                          </p:spTgt>
+                                        </p:tgtEl>
+                                      </p:cBhvr>
+                                    </p:animEffect>
+                                  </p:childTnLst>
+                                </p:cTn>
+                              </p:par>
+                            </p:childTnLst>
+                          </p:cTn>
+                        </p:par>
+                      </p:childTnLst>
+                    </p:cTn>
+                  </p:par>
+                </p:childTnLst>
+              </p:cTn>
+              <p:prevCondLst>
+                <p:cond evt="onPrev" delay="0">
+                  <p:tgtEl>
+                    <p:sldTgt/>
+                  </p:tgtEl>
+                </p:cond>
+              </p:prevCondLst>
+              <p:nextCondLst>
+                <p:cond evt="onNext" delay="0">
+                  <p:tgtEl>
+                    <p:sldTgt/>
+                  </p:tgtEl>
+                </p:cond>
+              </p:nextCondLst>
+            </p:seq>
+          </p:childTnLst>
+        </p:cTn>
+      </p:par>
+    </p:tnLst>
+    <p:bldLst>
+      <p:bldP spid="2" grpId="0"/>
+    </p:bldLst>
+  </p:timing>
+</p:sld>
+</file>
+
+<file path=ppt/slides/slide5.xml><?xml version="1.0" encoding="utf-8"?>
+<p:sld xmlns:a="http://schemas.openxmlformats.org/drawingml/2006/main" xmlns:r="http://schemas.openxmlformats.org/officeDocument/2006/relationships" xmlns:p="http://schemas.openxmlformats.org/presentationml/2006/main">
+  <p:cSld>
+    <p:spTree>
+      <p:nvGrpSpPr>
+        <p:cNvPr id="1" name=""/>
+        <p:cNvGrpSpPr/>
+        <p:nvPr/>
+      </p:nvGrpSpPr>
+      <p:grpSpPr>
+        <a:xfrm>
+          <a:off x="0" y="0"/>
+          <a:ext cx="0" cy="0"/>
+          <a:chOff x="0" y="0"/>
+          <a:chExt cx="0" cy="0"/>
+        </a:xfrm>
+      </p:grpSpPr>
+      <p:pic>
+        <p:nvPicPr>
+          <p:cNvPr id="4" name="Grafik 3"/>
+          <p:cNvPicPr>
+            <a:picLocks noChangeAspect="1"/>
+          </p:cNvPicPr>
+          <p:nvPr/>
+        </p:nvPicPr>
+        <p:blipFill>
+          <a:blip r:embed="rId3" cstate="print">
+            <a:extLst>
+              <a:ext uri="{28A0092B-C50C-407E-A947-70E740481C1C}">
+                <a14:useLocalDpi xmlns:a14="http://schemas.microsoft.com/office/drawing/2010/main" val="0"/>
+              </a:ext>
+            </a:extLst>
+          </a:blip>
+          <a:stretch>
+            <a:fillRect/>
+          </a:stretch>
+        </p:blipFill>
+        <p:spPr>
+          <a:xfrm>
+            <a:off x="138331" y="0"/>
+            <a:ext cx="8826157" cy="4948014"/>
+          </a:xfrm>
+          <a:prstGeom prst="rect">
+            <a:avLst/>
+          </a:prstGeom>
+          <a:ln>
+            <a:noFill/>
+          </a:ln>
+          <a:effectLst>
+            <a:softEdge rad="317500"/>
+          </a:effectLst>
+        </p:spPr>
+      </p:pic>
+      <p:sp>
+        <p:nvSpPr>
+          <p:cNvPr id="2" name="Titel 1"/>
+          <p:cNvSpPr>
+            <a:spLocks noGrp="1"/>
+          </p:cNvSpPr>
+          <p:nvPr>
+            <p:ph type="ctrTitle"/>
+          </p:nvPr>
+        </p:nvSpPr>
+        <p:spPr>
+          <a:xfrm>
+            <a:off x="685800" y="303499"/>
+            <a:ext cx="7772400" cy="756083"/>
+          </a:xfrm>
+        </p:spPr>
+        <p:txBody>
+          <a:bodyPr>
+            <a:normAutofit/>
+          </a:bodyPr>
+          <a:lstStyle/>
+          <a:p>
+            <a:pPr algn="ctr"/>
+            <a:r>
+              <a:rPr lang="de-DE" dirty="0">
+                <a:latin typeface="MV Boli" pitchFamily="2" charset="0"/>
+                <a:cs typeface="MV Boli" pitchFamily="2" charset="0"/>
+              </a:rPr>
+              <a:t>Team Rex</a:t>
+            </a:r>
+            <a:endParaRPr lang="de-DE" sz="3600" dirty="0">
+              <a:latin typeface="MV Boli" pitchFamily="2" charset="0"/>
+              <a:cs typeface="MV Boli" pitchFamily="2" charset="0"/>
+            </a:endParaRPr>
+          </a:p>
+        </p:txBody>
+      </p:sp>
+      <p:sp>
+        <p:nvSpPr>
+          <p:cNvPr id="3" name="Untertitel 2"/>
+          <p:cNvSpPr>
+            <a:spLocks noGrp="1"/>
+          </p:cNvSpPr>
+          <p:nvPr>
+            <p:ph type="subTitle" idx="1"/>
+          </p:nvPr>
+        </p:nvSpPr>
+        <p:spPr>
+          <a:xfrm>
+            <a:off x="685800" y="1491630"/>
+            <a:ext cx="7772400" cy="3348372"/>
+          </a:xfrm>
+        </p:spPr>
+        <p:txBody>
+          <a:bodyPr>
+            <a:normAutofit/>
+          </a:bodyPr>
+          <a:lstStyle/>
+          <a:p>
+            <a:pPr marL="285750" indent="-285750" algn="l">
+              <a:buFont typeface="Arial" panose="020B0604020202020204" pitchFamily="34" charset="0"/>
+              <a:buChar char="•"/>
+            </a:pPr>
+            <a:r>
+              <a:rPr lang="de-DE" sz="2000" dirty="0">
+                <a:latin typeface="MV Boli" pitchFamily="2" charset="0"/>
+                <a:cs typeface="MV Boli" pitchFamily="2" charset="0"/>
+              </a:rPr>
+              <a:t>Levin Lang</a:t>
+            </a:r>
+          </a:p>
+          <a:p>
+            <a:pPr marL="285750" indent="-285750" algn="l">
+              <a:buFont typeface="Arial" panose="020B0604020202020204" pitchFamily="34" charset="0"/>
+              <a:buChar char="•"/>
+            </a:pPr>
+            <a:r>
+              <a:rPr lang="de-DE" sz="2000" dirty="0">
+                <a:latin typeface="MV Boli" pitchFamily="2" charset="0"/>
+                <a:cs typeface="MV Boli" pitchFamily="2" charset="0"/>
+              </a:rPr>
+              <a:t>Michelle Mohn</a:t>
+            </a:r>
+          </a:p>
+          <a:p>
+            <a:pPr marL="285750" indent="-285750" algn="l">
+              <a:buFont typeface="Arial" panose="020B0604020202020204" pitchFamily="34" charset="0"/>
+              <a:buChar char="•"/>
+            </a:pPr>
+            <a:r>
+              <a:rPr lang="de-DE" sz="2000" dirty="0">
+                <a:latin typeface="MV Boli" pitchFamily="2" charset="0"/>
+                <a:cs typeface="MV Boli" pitchFamily="2" charset="0"/>
+              </a:rPr>
+              <a:t>Jesse Haines</a:t>
+            </a:r>
+          </a:p>
+          <a:p>
+            <a:pPr marL="285750" indent="-285750" algn="l">
+              <a:buFont typeface="Arial" panose="020B0604020202020204" pitchFamily="34" charset="0"/>
+              <a:buChar char="•"/>
+            </a:pPr>
+            <a:r>
+              <a:rPr lang="de-DE" sz="2000" dirty="0">
+                <a:latin typeface="MV Boli" pitchFamily="2" charset="0"/>
+                <a:cs typeface="MV Boli" pitchFamily="2" charset="0"/>
+              </a:rPr>
+              <a:t>Michelle </a:t>
+            </a:r>
+            <a:r>
+              <a:rPr lang="de-DE" sz="2000" dirty="0" err="1">
+                <a:latin typeface="MV Boli" pitchFamily="2" charset="0"/>
+                <a:cs typeface="MV Boli" pitchFamily="2" charset="0"/>
+              </a:rPr>
+              <a:t>Gaußmann</a:t>
+            </a:r>
+            <a:endParaRPr lang="de-DE" sz="2000" dirty="0">
+              <a:latin typeface="MV Boli" pitchFamily="2" charset="0"/>
+              <a:cs typeface="MV Boli" pitchFamily="2" charset="0"/>
+            </a:endParaRPr>
+          </a:p>
+          <a:p>
+            <a:pPr marL="285750" indent="-285750" algn="l">
+              <a:buFont typeface="Arial" panose="020B0604020202020204" pitchFamily="34" charset="0"/>
+              <a:buChar char="•"/>
+            </a:pPr>
+            <a:r>
+              <a:rPr lang="de-DE" sz="2000" dirty="0" err="1">
+                <a:latin typeface="MV Boli" pitchFamily="2" charset="0"/>
+                <a:cs typeface="MV Boli" pitchFamily="2" charset="0"/>
+              </a:rPr>
+              <a:t>Marlou</a:t>
+            </a:r>
+            <a:r>
+              <a:rPr lang="de-DE" sz="2000" dirty="0">
+                <a:latin typeface="MV Boli" pitchFamily="2" charset="0"/>
+                <a:cs typeface="MV Boli" pitchFamily="2" charset="0"/>
+              </a:rPr>
+              <a:t> Nolting</a:t>
+            </a:r>
+          </a:p>
+        </p:txBody>
+      </p:sp>
+      <p:sp>
+        <p:nvSpPr>
+          <p:cNvPr id="6" name="Textfeld 5">
+            <a:extLst>
+              <a:ext uri="{FF2B5EF4-FFF2-40B4-BE49-F238E27FC236}">
+                <a16:creationId xmlns:a16="http://schemas.microsoft.com/office/drawing/2014/main" id="{9E9515BE-AA36-4949-A48E-F631C6C9A9FA}"/>
+              </a:ext>
+            </a:extLst>
+          </p:cNvPr>
+          <p:cNvSpPr txBox="1"/>
+          <p:nvPr/>
+        </p:nvSpPr>
+        <p:spPr>
+          <a:xfrm>
+            <a:off x="611560" y="1122298"/>
+            <a:ext cx="1941984" cy="400110"/>
+          </a:xfrm>
+          <a:prstGeom prst="rect">
+            <a:avLst/>
+          </a:prstGeom>
+          <a:noFill/>
+        </p:spPr>
+        <p:txBody>
+          <a:bodyPr wrap="square" rtlCol="0">
+            <a:spAutoFit/>
+          </a:bodyPr>
+          <a:lstStyle/>
+          <a:p>
+            <a:r>
+              <a:rPr lang="de-DE" sz="2000" i="1" u="sng" dirty="0">
+                <a:latin typeface="MV Boli" panose="02000500030200090000" pitchFamily="2" charset="0"/>
+                <a:cs typeface="MV Boli" panose="02000500030200090000" pitchFamily="2" charset="0"/>
+              </a:rPr>
+              <a:t>Artists:</a:t>
+            </a:r>
+          </a:p>
+        </p:txBody>
+      </p:sp>
+      <p:pic>
+        <p:nvPicPr>
+          <p:cNvPr id="16" name="Grafik 15">
+            <a:extLst>
+              <a:ext uri="{FF2B5EF4-FFF2-40B4-BE49-F238E27FC236}">
+                <a16:creationId xmlns:a16="http://schemas.microsoft.com/office/drawing/2014/main" id="{567F084C-21B5-44EA-9E05-B143280E68B2}"/>
+              </a:ext>
+            </a:extLst>
+          </p:cNvPr>
+          <p:cNvPicPr>
+            <a:picLocks noChangeAspect="1"/>
+          </p:cNvPicPr>
+          <p:nvPr/>
+        </p:nvPicPr>
+        <p:blipFill>
+          <a:blip r:embed="rId4" cstate="print">
+            <a:extLst>
+              <a:ext uri="{28A0092B-C50C-407E-A947-70E740481C1C}">
+                <a14:useLocalDpi xmlns:a14="http://schemas.microsoft.com/office/drawing/2010/main" val="0"/>
+              </a:ext>
+            </a:extLst>
+          </a:blip>
+          <a:stretch>
+            <a:fillRect/>
+          </a:stretch>
+        </p:blipFill>
+        <p:spPr>
+          <a:xfrm>
+            <a:off x="4211960" y="3161230"/>
+            <a:ext cx="2939926" cy="1755223"/>
+          </a:xfrm>
+          <a:prstGeom prst="rect">
+            <a:avLst/>
+          </a:prstGeom>
+        </p:spPr>
+      </p:pic>
+      <p:pic>
+        <p:nvPicPr>
+          <p:cNvPr id="8" name="Grafik 7">
+            <a:extLst>
+              <a:ext uri="{FF2B5EF4-FFF2-40B4-BE49-F238E27FC236}">
+                <a16:creationId xmlns:a16="http://schemas.microsoft.com/office/drawing/2014/main" id="{FEE4A2D7-DFCF-4938-B9C2-0495B67536F8}"/>
+              </a:ext>
+            </a:extLst>
+          </p:cNvPr>
+          <p:cNvPicPr>
+            <a:picLocks noChangeAspect="1"/>
+          </p:cNvPicPr>
+          <p:nvPr/>
+        </p:nvPicPr>
+        <p:blipFill>
+          <a:blip r:embed="rId5" cstate="print">
+            <a:extLst>
+              <a:ext uri="{28A0092B-C50C-407E-A947-70E740481C1C}">
+                <a14:useLocalDpi xmlns:a14="http://schemas.microsoft.com/office/drawing/2010/main" val="0"/>
+              </a:ext>
+            </a:extLst>
+          </a:blip>
+          <a:stretch>
+            <a:fillRect/>
+          </a:stretch>
+        </p:blipFill>
+        <p:spPr>
+          <a:xfrm>
+            <a:off x="3419872" y="1145706"/>
+            <a:ext cx="3924499" cy="2242571"/>
+          </a:xfrm>
+          <a:prstGeom prst="rect">
+            <a:avLst/>
+          </a:prstGeom>
+        </p:spPr>
+      </p:pic>
+      <p:pic>
+        <p:nvPicPr>
+          <p:cNvPr id="10" name="Grafik 9">
+            <a:extLst>
+              <a:ext uri="{FF2B5EF4-FFF2-40B4-BE49-F238E27FC236}">
+                <a16:creationId xmlns:a16="http://schemas.microsoft.com/office/drawing/2014/main" id="{58715977-C5E1-4E49-9874-BE778EC86E00}"/>
+              </a:ext>
+            </a:extLst>
+          </p:cNvPr>
+          <p:cNvPicPr>
+            <a:picLocks noChangeAspect="1"/>
+          </p:cNvPicPr>
+          <p:nvPr/>
+        </p:nvPicPr>
+        <p:blipFill>
+          <a:blip r:embed="rId6" cstate="print">
+            <a:extLst>
+              <a:ext uri="{28A0092B-C50C-407E-A947-70E740481C1C}">
+                <a14:useLocalDpi xmlns:a14="http://schemas.microsoft.com/office/drawing/2010/main" val="0"/>
+              </a:ext>
+            </a:extLst>
+          </a:blip>
+          <a:stretch>
+            <a:fillRect/>
+          </a:stretch>
+        </p:blipFill>
+        <p:spPr>
+          <a:xfrm>
+            <a:off x="6862706" y="1915496"/>
+            <a:ext cx="2139702" cy="2139702"/>
+          </a:xfrm>
+          <a:prstGeom prst="rect">
+            <a:avLst/>
+          </a:prstGeom>
+        </p:spPr>
+      </p:pic>
+    </p:spTree>
+    <p:extLst>
+      <p:ext uri="{BB962C8B-B14F-4D97-AF65-F5344CB8AC3E}">
+        <p14:creationId xmlns:p14="http://schemas.microsoft.com/office/powerpoint/2010/main" val="2012285425"/>
+      </p:ext>
+    </p:extLst>
+  </p:cSld>
+  <p:clrMapOvr>
+    <a:masterClrMapping/>
+  </p:clrMapOvr>
+  <p:timing>
+    <p:tnLst>
+      <p:par>
+        <p:cTn id="1" dur="indefinite" restart="never" nodeType="tmRoot">
+          <p:childTnLst>
+            <p:seq concurrent="1" nextAc="seek">
+              <p:cTn id="2" dur="indefinite" nodeType="mainSeq">
+                <p:childTnLst>
+                  <p:par>
+                    <p:cTn id="3" fill="hold">
+                      <p:stCondLst>
+                        <p:cond delay="indefinite"/>
+                        <p:cond evt="onBegin" delay="0">
+                          <p:tn val="2"/>
+                        </p:cond>
+                      </p:stCondLst>
+                      <p:childTnLst>
+                        <p:par>
+                          <p:cTn id="4" fill="hold">
+                            <p:stCondLst>
+                              <p:cond delay="0"/>
+                            </p:stCondLst>
+                            <p:childTnLst>
+                              <p:par>
+                                <p:cTn id="5" presetID="1" presetClass="entr" presetSubtype="0" fill="hold" grpId="0" nodeType="withEffect">
+                                  <p:stCondLst>
+                                    <p:cond delay="0"/>
+                                  </p:stCondLst>
+                                  <p:childTnLst>
+                                    <p:set>
+                                      <p:cBhvr>
+                                        <p:cTn id="6" dur="1" fill="hold">
+                                          <p:stCondLst>
+                                            <p:cond delay="0"/>
+                                          </p:stCondLst>
+                                        </p:cTn>
+                                        <p:tgtEl>
+                                          <p:spTgt spid="2"/>
+                                        </p:tgtEl>
+                                        <p:attrNameLst>
+                                          <p:attrName>style.visibility</p:attrName>
+                                        </p:attrNameLst>
+                                      </p:cBhvr>
+                                      <p:to>
+                                        <p:strVal val="visible"/>
+                                      </p:to>
+                                    </p:set>
+                                  </p:childTnLst>
+                                </p:cTn>
+                              </p:par>
+                            </p:childTnLst>
+                          </p:cTn>
+                        </p:par>
+                        <p:par>
+                          <p:cTn id="7" fill="hold">
+                            <p:stCondLst>
+                              <p:cond delay="0"/>
+                            </p:stCondLst>
+                            <p:childTnLst>
+                              <p:par>
+                                <p:cTn id="8" presetID="22" presetClass="entr" presetSubtype="8" fill="hold" nodeType="afterEffect">
+                                  <p:stCondLst>
+                                    <p:cond delay="750"/>
+                                  </p:stCondLst>
+                                  <p:childTnLst>
+                                    <p:set>
+                                      <p:cBhvr>
+                                        <p:cTn id="9" dur="1" fill="hold">
+                                          <p:stCondLst>
+                                            <p:cond delay="0"/>
+                                          </p:stCondLst>
+                                        </p:cTn>
+                                        <p:tgtEl>
+                                          <p:spTgt spid="3">
+                                            <p:txEl>
+                                              <p:pRg st="0" end="0"/>
+                                            </p:txEl>
+                                          </p:spTgt>
+                                        </p:tgtEl>
+                                        <p:attrNameLst>
+                                          <p:attrName>style.visibility</p:attrName>
+                                        </p:attrNameLst>
+                                      </p:cBhvr>
+                                      <p:to>
+                                        <p:strVal val="visible"/>
+                                      </p:to>
+                                    </p:set>
+                                    <p:animEffect transition="in" filter="wipe(left)">
+                                      <p:cBhvr>
+                                        <p:cTn id="10" dur="500"/>
+                                        <p:tgtEl>
+                                          <p:spTgt spid="3">
+                                            <p:txEl>
+                                              <p:pRg st="0" end="0"/>
+                                            </p:txEl>
+                                          </p:spTgt>
+                                        </p:tgtEl>
+                                      </p:cBhvr>
+                                    </p:animEffect>
+                                  </p:childTnLst>
+                                </p:cTn>
+                              </p:par>
+                            </p:childTnLst>
+                          </p:cTn>
+                        </p:par>
+                        <p:par>
+                          <p:cTn id="11" fill="hold">
+                            <p:stCondLst>
+                              <p:cond delay="1250"/>
+                            </p:stCondLst>
+                            <p:childTnLst>
+                              <p:par>
+                                <p:cTn id="12" presetID="22" presetClass="entr" presetSubtype="8" fill="hold" nodeType="afterEffect">
+                                  <p:stCondLst>
+                                    <p:cond delay="750"/>
+                                  </p:stCondLst>
+                                  <p:childTnLst>
+                                    <p:set>
+                                      <p:cBhvr>
+                                        <p:cTn id="13" dur="1" fill="hold">
+                                          <p:stCondLst>
+                                            <p:cond delay="0"/>
+                                          </p:stCondLst>
+                                        </p:cTn>
+                                        <p:tgtEl>
+                                          <p:spTgt spid="3">
+                                            <p:txEl>
+                                              <p:pRg st="1" end="1"/>
+                                            </p:txEl>
+                                          </p:spTgt>
+                                        </p:tgtEl>
+                                        <p:attrNameLst>
+                                          <p:attrName>style.visibility</p:attrName>
+                                        </p:attrNameLst>
+                                      </p:cBhvr>
+                                      <p:to>
+                                        <p:strVal val="visible"/>
+                                      </p:to>
+                                    </p:set>
+                                    <p:animEffect transition="in" filter="wipe(left)">
+                                      <p:cBhvr>
+                                        <p:cTn id="14" dur="500"/>
+                                        <p:tgtEl>
+                                          <p:spTgt spid="3">
+                                            <p:txEl>
+                                              <p:pRg st="1" end="1"/>
+                                            </p:txEl>
+                                          </p:spTgt>
+                                        </p:tgtEl>
+                                      </p:cBhvr>
+                                    </p:animEffect>
+                                  </p:childTnLst>
+                                </p:cTn>
+                              </p:par>
+                            </p:childTnLst>
+                          </p:cTn>
+                        </p:par>
+                        <p:par>
+                          <p:cTn id="15" fill="hold">
+                            <p:stCondLst>
+                              <p:cond delay="2500"/>
+                            </p:stCondLst>
+                            <p:childTnLst>
+                              <p:par>
+                                <p:cTn id="16" presetID="22" presetClass="entr" presetSubtype="8" fill="hold" nodeType="afterEffect">
+                                  <p:stCondLst>
+                                    <p:cond delay="750"/>
+                                  </p:stCondLst>
+                                  <p:childTnLst>
+                                    <p:set>
+                                      <p:cBhvr>
+                                        <p:cTn id="17" dur="1" fill="hold">
+                                          <p:stCondLst>
+                                            <p:cond delay="0"/>
+                                          </p:stCondLst>
+                                        </p:cTn>
+                                        <p:tgtEl>
+                                          <p:spTgt spid="3">
+                                            <p:txEl>
+                                              <p:pRg st="2" end="2"/>
+                                            </p:txEl>
+                                          </p:spTgt>
+                                        </p:tgtEl>
+                                        <p:attrNameLst>
+                                          <p:attrName>style.visibility</p:attrName>
+                                        </p:attrNameLst>
+                                      </p:cBhvr>
+                                      <p:to>
+                                        <p:strVal val="visible"/>
+                                      </p:to>
+                                    </p:set>
+                                    <p:animEffect transition="in" filter="wipe(left)">
+                                      <p:cBhvr>
+                                        <p:cTn id="18" dur="500"/>
+                                        <p:tgtEl>
+                                          <p:spTgt spid="3">
+                                            <p:txEl>
+                                              <p:pRg st="2" end="2"/>
+                                            </p:txEl>
+                                          </p:spTgt>
+                                        </p:tgtEl>
+                                      </p:cBhvr>
+                                    </p:animEffect>
+                                  </p:childTnLst>
+                                </p:cTn>
+                              </p:par>
+                            </p:childTnLst>
+                          </p:cTn>
+                        </p:par>
+                        <p:par>
+                          <p:cTn id="19" fill="hold">
+                            <p:stCondLst>
+                              <p:cond delay="3750"/>
+                            </p:stCondLst>
+                            <p:childTnLst>
+                              <p:par>
+                                <p:cTn id="20" presetID="22" presetClass="entr" presetSubtype="8" fill="hold" nodeType="afterEffect">
+                                  <p:stCondLst>
+                                    <p:cond delay="750"/>
+                                  </p:stCondLst>
+                                  <p:childTnLst>
+                                    <p:set>
+                                      <p:cBhvr>
+                                        <p:cTn id="21" dur="1" fill="hold">
+                                          <p:stCondLst>
+                                            <p:cond delay="0"/>
+                                          </p:stCondLst>
+                                        </p:cTn>
+                                        <p:tgtEl>
+                                          <p:spTgt spid="3">
+                                            <p:txEl>
+                                              <p:pRg st="3" end="3"/>
+                                            </p:txEl>
+                                          </p:spTgt>
+                                        </p:tgtEl>
+                                        <p:attrNameLst>
+                                          <p:attrName>style.visibility</p:attrName>
+                                        </p:attrNameLst>
+                                      </p:cBhvr>
+                                      <p:to>
+                                        <p:strVal val="visible"/>
+                                      </p:to>
+                                    </p:set>
+                                    <p:animEffect transition="in" filter="wipe(left)">
+                                      <p:cBhvr>
+                                        <p:cTn id="22" dur="500"/>
+                                        <p:tgtEl>
+                                          <p:spTgt spid="3">
+                                            <p:txEl>
+                                              <p:pRg st="3" end="3"/>
+                                            </p:txEl>
+                                          </p:spTgt>
+                                        </p:tgtEl>
+                                      </p:cBhvr>
+                                    </p:animEffect>
+                                  </p:childTnLst>
+                                </p:cTn>
+                              </p:par>
+                            </p:childTnLst>
+                          </p:cTn>
+                        </p:par>
+                        <p:par>
+                          <p:cTn id="23" fill="hold">
+                            <p:stCondLst>
+                              <p:cond delay="5000"/>
+                            </p:stCondLst>
+                            <p:childTnLst>
+                              <p:par>
+                                <p:cTn id="24" presetID="22" presetClass="entr" presetSubtype="8" fill="hold" nodeType="afterEffect">
+                                  <p:stCondLst>
+                                    <p:cond delay="750"/>
+                                  </p:stCondLst>
+                                  <p:childTnLst>
+                                    <p:set>
+                                      <p:cBhvr>
+                                        <p:cTn id="25" dur="1" fill="hold">
+                                          <p:stCondLst>
+                                            <p:cond delay="0"/>
+                                          </p:stCondLst>
+                                        </p:cTn>
+                                        <p:tgtEl>
+                                          <p:spTgt spid="3">
+                                            <p:txEl>
+                                              <p:pRg st="4" end="4"/>
+                                            </p:txEl>
+                                          </p:spTgt>
+                                        </p:tgtEl>
+                                        <p:attrNameLst>
+                                          <p:attrName>style.visibility</p:attrName>
+                                        </p:attrNameLst>
+                                      </p:cBhvr>
+                                      <p:to>
+                                        <p:strVal val="visible"/>
+                                      </p:to>
+                                    </p:set>
+                                    <p:animEffect transition="in" filter="wipe(left)">
+                                      <p:cBhvr>
+                                        <p:cTn id="26" dur="500"/>
+                                        <p:tgtEl>
+                                          <p:spTgt spid="3">
+                                            <p:txEl>
+                                              <p:pRg st="4" end="4"/>
+                                            </p:txEl>
+                                          </p:spTgt>
+                                        </p:tgtEl>
+                                      </p:cBhvr>
+                                    </p:animEffect>
+                                  </p:childTnLst>
+                                </p:cTn>
+                              </p:par>
+                            </p:childTnLst>
+                          </p:cTn>
+                        </p:par>
+                      </p:childTnLst>
+                    </p:cTn>
+                  </p:par>
+                </p:childTnLst>
+              </p:cTn>
+              <p:prevCondLst>
+                <p:cond evt="onPrev" delay="0">
+                  <p:tgtEl>
+                    <p:sldTgt/>
+                  </p:tgtEl>
+                </p:cond>
+              </p:prevCondLst>
+              <p:nextCondLst>
+                <p:cond evt="onNext" delay="0">
+                  <p:tgtEl>
+                    <p:sldTgt/>
+                  </p:tgtEl>
+                </p:cond>
+              </p:nextCondLst>
+            </p:seq>
+          </p:childTnLst>
+        </p:cTn>
+      </p:par>
+    </p:tnLst>
+    <p:bldLst>
+      <p:bldP spid="2" grpId="0"/>
+    </p:bldLst>
+  </p:timing>
+</p:sld>
+</file>
+
+<file path=ppt/slides/slide6.xml><?xml version="1.0" encoding="utf-8"?>
+<p:sld xmlns:a="http://schemas.openxmlformats.org/drawingml/2006/main" xmlns:r="http://schemas.openxmlformats.org/officeDocument/2006/relationships" xmlns:p="http://schemas.openxmlformats.org/presentationml/2006/main">
+  <p:cSld>
+    <p:spTree>
+      <p:nvGrpSpPr>
+        <p:cNvPr id="1" name=""/>
+        <p:cNvGrpSpPr/>
+        <p:nvPr/>
+      </p:nvGrpSpPr>
+      <p:grpSpPr>
+        <a:xfrm>
+          <a:off x="0" y="0"/>
+          <a:ext cx="0" cy="0"/>
+          <a:chOff x="0" y="0"/>
+          <a:chExt cx="0" cy="0"/>
+        </a:xfrm>
+      </p:grpSpPr>
+      <p:pic>
+        <p:nvPicPr>
+          <p:cNvPr id="4" name="Grafik 3"/>
+          <p:cNvPicPr>
+            <a:picLocks noChangeAspect="1"/>
+          </p:cNvPicPr>
+          <p:nvPr/>
+        </p:nvPicPr>
+        <p:blipFill>
+          <a:blip r:embed="rId3" cstate="print">
+            <a:extLst>
+              <a:ext uri="{28A0092B-C50C-407E-A947-70E740481C1C}">
+                <a14:useLocalDpi xmlns:a14="http://schemas.microsoft.com/office/drawing/2010/main" val="0"/>
+              </a:ext>
+            </a:extLst>
+          </a:blip>
+          <a:stretch>
+            <a:fillRect/>
+          </a:stretch>
+        </p:blipFill>
+        <p:spPr>
+          <a:xfrm>
             <a:off x="138331" y="0"/>
             <a:ext cx="8826157" cy="4948014"/>
           </a:xfrm>
@@ -12709,530 +12910,7 @@
 </p:sld>
 </file>
 
-<file path=ppt/slides/slide5.xml><?xml version="1.0" encoding="utf-8"?>
-<p:sld xmlns:a="http://schemas.openxmlformats.org/drawingml/2006/main" xmlns:r="http://schemas.openxmlformats.org/officeDocument/2006/relationships" xmlns:p="http://schemas.openxmlformats.org/presentationml/2006/main">
-  <p:cSld>
-    <p:spTree>
-      <p:nvGrpSpPr>
-        <p:cNvPr id="1" name=""/>
-        <p:cNvGrpSpPr/>
-        <p:nvPr/>
-      </p:nvGrpSpPr>
-      <p:grpSpPr>
-        <a:xfrm>
-          <a:off x="0" y="0"/>
-          <a:ext cx="0" cy="0"/>
-          <a:chOff x="0" y="0"/>
-          <a:chExt cx="0" cy="0"/>
-        </a:xfrm>
-      </p:grpSpPr>
-      <p:pic>
-        <p:nvPicPr>
-          <p:cNvPr id="4" name="Grafik 3"/>
-          <p:cNvPicPr>
-            <a:picLocks noChangeAspect="1"/>
-          </p:cNvPicPr>
-          <p:nvPr/>
-        </p:nvPicPr>
-        <p:blipFill>
-          <a:blip r:embed="rId3" cstate="print">
-            <a:extLst>
-              <a:ext uri="{28A0092B-C50C-407E-A947-70E740481C1C}">
-                <a14:useLocalDpi xmlns:a14="http://schemas.microsoft.com/office/drawing/2010/main" val="0"/>
-              </a:ext>
-            </a:extLst>
-          </a:blip>
-          <a:stretch>
-            <a:fillRect/>
-          </a:stretch>
-        </p:blipFill>
-        <p:spPr>
-          <a:xfrm>
-            <a:off x="138331" y="0"/>
-            <a:ext cx="8826157" cy="4948014"/>
-          </a:xfrm>
-          <a:prstGeom prst="rect">
-            <a:avLst/>
-          </a:prstGeom>
-          <a:ln>
-            <a:noFill/>
-          </a:ln>
-          <a:effectLst>
-            <a:softEdge rad="317500"/>
-          </a:effectLst>
-        </p:spPr>
-      </p:pic>
-      <p:sp>
-        <p:nvSpPr>
-          <p:cNvPr id="2" name="Titel 1"/>
-          <p:cNvSpPr>
-            <a:spLocks noGrp="1"/>
-          </p:cNvSpPr>
-          <p:nvPr>
-            <p:ph type="ctrTitle"/>
-          </p:nvPr>
-        </p:nvSpPr>
-        <p:spPr>
-          <a:xfrm>
-            <a:off x="685800" y="303499"/>
-            <a:ext cx="7772400" cy="756083"/>
-          </a:xfrm>
-        </p:spPr>
-        <p:txBody>
-          <a:bodyPr>
-            <a:normAutofit/>
-          </a:bodyPr>
-          <a:lstStyle/>
-          <a:p>
-            <a:pPr algn="ctr"/>
-            <a:r>
-              <a:rPr lang="de-DE" sz="3600" dirty="0">
-                <a:latin typeface="MV Boli" pitchFamily="2" charset="0"/>
-                <a:cs typeface="MV Boli" pitchFamily="2" charset="0"/>
-              </a:rPr>
-              <a:t>Gate </a:t>
-            </a:r>
-            <a:r>
-              <a:rPr lang="de-DE" dirty="0">
-                <a:latin typeface="MV Boli" pitchFamily="2" charset="0"/>
-                <a:cs typeface="MV Boli" pitchFamily="2" charset="0"/>
-              </a:rPr>
-              <a:t>3</a:t>
-            </a:r>
-            <a:endParaRPr lang="de-DE" sz="3600" dirty="0">
-              <a:latin typeface="MV Boli" pitchFamily="2" charset="0"/>
-              <a:cs typeface="MV Boli" pitchFamily="2" charset="0"/>
-            </a:endParaRPr>
-          </a:p>
-        </p:txBody>
-      </p:sp>
-      <p:sp>
-        <p:nvSpPr>
-          <p:cNvPr id="3" name="Untertitel 2"/>
-          <p:cNvSpPr>
-            <a:spLocks noGrp="1"/>
-          </p:cNvSpPr>
-          <p:nvPr>
-            <p:ph type="subTitle" idx="1"/>
-          </p:nvPr>
-        </p:nvSpPr>
-        <p:spPr>
-          <a:xfrm>
-            <a:off x="685800" y="1491630"/>
-            <a:ext cx="7772400" cy="3348372"/>
-          </a:xfrm>
-        </p:spPr>
-        <p:txBody>
-          <a:bodyPr>
-            <a:normAutofit/>
-          </a:bodyPr>
-          <a:lstStyle/>
-          <a:p>
-            <a:pPr marL="285750" indent="-285750" algn="l">
-              <a:buFont typeface="Arial" panose="020B0604020202020204" pitchFamily="34" charset="0"/>
-              <a:buChar char="•"/>
-            </a:pPr>
-            <a:r>
-              <a:rPr lang="en-US" sz="2000" dirty="0">
-                <a:latin typeface="MV Boli" pitchFamily="2" charset="0"/>
-                <a:cs typeface="MV Boli" pitchFamily="2" charset="0"/>
-              </a:rPr>
-              <a:t>Polished Game</a:t>
-            </a:r>
-          </a:p>
-          <a:p>
-            <a:pPr marL="285750" indent="-285750" algn="l">
-              <a:buFont typeface="Arial" panose="020B0604020202020204" pitchFamily="34" charset="0"/>
-              <a:buChar char="•"/>
-            </a:pPr>
-            <a:endParaRPr lang="en-US" sz="2000" dirty="0">
-              <a:latin typeface="MV Boli" pitchFamily="2" charset="0"/>
-              <a:cs typeface="MV Boli" pitchFamily="2" charset="0"/>
-            </a:endParaRPr>
-          </a:p>
-          <a:p>
-            <a:pPr marL="1314450" lvl="3" indent="-285750" algn="l">
-              <a:buFont typeface="Arial" panose="020B0604020202020204" pitchFamily="34" charset="0"/>
-              <a:buChar char="•"/>
-            </a:pPr>
-            <a:r>
-              <a:rPr lang="en-US" sz="2000" dirty="0">
-                <a:latin typeface="MV Boli" pitchFamily="2" charset="0"/>
-                <a:cs typeface="MV Boli" pitchFamily="2" charset="0"/>
-              </a:rPr>
-              <a:t>Tutorial</a:t>
-            </a:r>
-          </a:p>
-          <a:p>
-            <a:pPr marL="285750" indent="-285750" algn="l">
-              <a:buFont typeface="Arial" panose="020B0604020202020204" pitchFamily="34" charset="0"/>
-              <a:buChar char="•"/>
-            </a:pPr>
-            <a:endParaRPr lang="en-US" sz="2000" dirty="0">
-              <a:latin typeface="MV Boli" pitchFamily="2" charset="0"/>
-              <a:cs typeface="MV Boli" pitchFamily="2" charset="0"/>
-            </a:endParaRPr>
-          </a:p>
-          <a:p>
-            <a:pPr marL="2000250" lvl="5" indent="-285750" algn="l">
-              <a:buFont typeface="Arial" panose="020B0604020202020204" pitchFamily="34" charset="0"/>
-              <a:buChar char="•"/>
-            </a:pPr>
-            <a:r>
-              <a:rPr lang="en-US" sz="2000" dirty="0">
-                <a:latin typeface="MV Boli" pitchFamily="2" charset="0"/>
-                <a:cs typeface="MV Boli" pitchFamily="2" charset="0"/>
-              </a:rPr>
-              <a:t>Menu</a:t>
-            </a:r>
-            <a:endParaRPr lang="de-DE" sz="2000" dirty="0">
-              <a:latin typeface="MV Boli" pitchFamily="2" charset="0"/>
-              <a:cs typeface="MV Boli" pitchFamily="2" charset="0"/>
-            </a:endParaRPr>
-          </a:p>
-        </p:txBody>
-      </p:sp>
-      <p:pic>
-        <p:nvPicPr>
-          <p:cNvPr id="5" name="Grafik 4"/>
-          <p:cNvPicPr>
-            <a:picLocks noChangeAspect="1"/>
-          </p:cNvPicPr>
-          <p:nvPr/>
-        </p:nvPicPr>
-        <p:blipFill>
-          <a:blip r:embed="rId4" cstate="print">
-            <a:duotone>
-              <a:prstClr val="black"/>
-              <a:srgbClr val="D006B8">
-                <a:tint val="45000"/>
-                <a:satMod val="400000"/>
-              </a:srgbClr>
-            </a:duotone>
-            <a:extLst>
-              <a:ext uri="{28A0092B-C50C-407E-A947-70E740481C1C}">
-                <a14:useLocalDpi xmlns:a14="http://schemas.microsoft.com/office/drawing/2010/main" val="0"/>
-              </a:ext>
-            </a:extLst>
-          </a:blip>
-          <a:stretch>
-            <a:fillRect/>
-          </a:stretch>
-        </p:blipFill>
-        <p:spPr>
-          <a:xfrm rot="186654">
-            <a:off x="2768961" y="317590"/>
-            <a:ext cx="7300391" cy="5401142"/>
-          </a:xfrm>
-          <a:prstGeom prst="rect">
-            <a:avLst/>
-          </a:prstGeom>
-        </p:spPr>
-      </p:pic>
-    </p:spTree>
-    <p:extLst>
-      <p:ext uri="{BB962C8B-B14F-4D97-AF65-F5344CB8AC3E}">
-        <p14:creationId xmlns:p14="http://schemas.microsoft.com/office/powerpoint/2010/main" val="2012285425"/>
-      </p:ext>
-    </p:extLst>
-  </p:cSld>
-  <p:clrMapOvr>
-    <a:masterClrMapping/>
-  </p:clrMapOvr>
-  <p:timing>
-    <p:tnLst>
-      <p:par>
-        <p:cTn id="1" dur="indefinite" restart="never" nodeType="tmRoot">
-          <p:childTnLst>
-            <p:seq concurrent="1" nextAc="seek">
-              <p:cTn id="2" dur="indefinite" nodeType="mainSeq">
-                <p:childTnLst>
-                  <p:par>
-                    <p:cTn id="3" fill="hold">
-                      <p:stCondLst>
-                        <p:cond delay="indefinite"/>
-                        <p:cond evt="onBegin" delay="0">
-                          <p:tn val="2"/>
-                        </p:cond>
-                      </p:stCondLst>
-                      <p:childTnLst>
-                        <p:par>
-                          <p:cTn id="4" fill="hold">
-                            <p:stCondLst>
-                              <p:cond delay="0"/>
-                            </p:stCondLst>
-                            <p:childTnLst>
-                              <p:par>
-                                <p:cTn id="5" presetID="1" presetClass="entr" presetSubtype="0" fill="hold" grpId="0" nodeType="withEffect">
-                                  <p:stCondLst>
-                                    <p:cond delay="0"/>
-                                  </p:stCondLst>
-                                  <p:childTnLst>
-                                    <p:set>
-                                      <p:cBhvr>
-                                        <p:cTn id="6" dur="1" fill="hold">
-                                          <p:stCondLst>
-                                            <p:cond delay="0"/>
-                                          </p:stCondLst>
-                                        </p:cTn>
-                                        <p:tgtEl>
-                                          <p:spTgt spid="2"/>
-                                        </p:tgtEl>
-                                        <p:attrNameLst>
-                                          <p:attrName>style.visibility</p:attrName>
-                                        </p:attrNameLst>
-                                      </p:cBhvr>
-                                      <p:to>
-                                        <p:strVal val="visible"/>
-                                      </p:to>
-                                    </p:set>
-                                  </p:childTnLst>
-                                </p:cTn>
-                              </p:par>
-                            </p:childTnLst>
-                          </p:cTn>
-                        </p:par>
-                      </p:childTnLst>
-                    </p:cTn>
-                  </p:par>
-                  <p:par>
-                    <p:cTn id="7" fill="hold">
-                      <p:stCondLst>
-                        <p:cond delay="indefinite"/>
-                      </p:stCondLst>
-                      <p:childTnLst>
-                        <p:par>
-                          <p:cTn id="8" fill="hold">
-                            <p:stCondLst>
-                              <p:cond delay="0"/>
-                            </p:stCondLst>
-                            <p:childTnLst>
-                              <p:par>
-                                <p:cTn id="9" presetID="14" presetClass="entr" presetSubtype="10" fill="hold" nodeType="clickEffect">
-                                  <p:stCondLst>
-                                    <p:cond delay="0"/>
-                                  </p:stCondLst>
-                                  <p:childTnLst>
-                                    <p:set>
-                                      <p:cBhvr>
-                                        <p:cTn id="10" dur="1" fill="hold">
-                                          <p:stCondLst>
-                                            <p:cond delay="0"/>
-                                          </p:stCondLst>
-                                        </p:cTn>
-                                        <p:tgtEl>
-                                          <p:spTgt spid="5"/>
-                                        </p:tgtEl>
-                                        <p:attrNameLst>
-                                          <p:attrName>style.visibility</p:attrName>
-                                        </p:attrNameLst>
-                                      </p:cBhvr>
-                                      <p:to>
-                                        <p:strVal val="visible"/>
-                                      </p:to>
-                                    </p:set>
-                                    <p:animEffect transition="in" filter="randombar(horizontal)">
-                                      <p:cBhvr>
-                                        <p:cTn id="11" dur="500"/>
-                                        <p:tgtEl>
-                                          <p:spTgt spid="5"/>
-                                        </p:tgtEl>
-                                      </p:cBhvr>
-                                    </p:animEffect>
-                                  </p:childTnLst>
-                                </p:cTn>
-                              </p:par>
-                            </p:childTnLst>
-                          </p:cTn>
-                        </p:par>
-                        <p:par>
-                          <p:cTn id="12" fill="hold">
-                            <p:stCondLst>
-                              <p:cond delay="500"/>
-                            </p:stCondLst>
-                            <p:childTnLst>
-                              <p:par>
-                                <p:cTn id="13" presetID="22" presetClass="entr" presetSubtype="8" fill="hold" nodeType="afterEffect">
-                                  <p:stCondLst>
-                                    <p:cond delay="750"/>
-                                  </p:stCondLst>
-                                  <p:childTnLst>
-                                    <p:set>
-                                      <p:cBhvr>
-                                        <p:cTn id="14" dur="1" fill="hold">
-                                          <p:stCondLst>
-                                            <p:cond delay="0"/>
-                                          </p:stCondLst>
-                                        </p:cTn>
-                                        <p:tgtEl>
-                                          <p:spTgt spid="3">
-                                            <p:txEl>
-                                              <p:pRg st="0" end="0"/>
-                                            </p:txEl>
-                                          </p:spTgt>
-                                        </p:tgtEl>
-                                        <p:attrNameLst>
-                                          <p:attrName>style.visibility</p:attrName>
-                                        </p:attrNameLst>
-                                      </p:cBhvr>
-                                      <p:to>
-                                        <p:strVal val="visible"/>
-                                      </p:to>
-                                    </p:set>
-                                    <p:animEffect transition="in" filter="wipe(left)">
-                                      <p:cBhvr>
-                                        <p:cTn id="15" dur="500"/>
-                                        <p:tgtEl>
-                                          <p:spTgt spid="3">
-                                            <p:txEl>
-                                              <p:pRg st="0" end="0"/>
-                                            </p:txEl>
-                                          </p:spTgt>
-                                        </p:tgtEl>
-                                      </p:cBhvr>
-                                    </p:animEffect>
-                                  </p:childTnLst>
-                                </p:cTn>
-                              </p:par>
-                            </p:childTnLst>
-                          </p:cTn>
-                        </p:par>
-                        <p:par>
-                          <p:cTn id="16" fill="hold">
-                            <p:stCondLst>
-                              <p:cond delay="1750"/>
-                            </p:stCondLst>
-                            <p:childTnLst>
-                              <p:par>
-                                <p:cTn id="17" presetID="22" presetClass="entr" presetSubtype="8" fill="hold" nodeType="afterEffect">
-                                  <p:stCondLst>
-                                    <p:cond delay="750"/>
-                                  </p:stCondLst>
-                                  <p:childTnLst>
-                                    <p:set>
-                                      <p:cBhvr>
-                                        <p:cTn id="18" dur="1" fill="hold">
-                                          <p:stCondLst>
-                                            <p:cond delay="0"/>
-                                          </p:stCondLst>
-                                        </p:cTn>
-                                        <p:tgtEl>
-                                          <p:spTgt spid="3">
-                                            <p:txEl>
-                                              <p:pRg st="2" end="2"/>
-                                            </p:txEl>
-                                          </p:spTgt>
-                                        </p:tgtEl>
-                                        <p:attrNameLst>
-                                          <p:attrName>style.visibility</p:attrName>
-                                        </p:attrNameLst>
-                                      </p:cBhvr>
-                                      <p:to>
-                                        <p:strVal val="visible"/>
-                                      </p:to>
-                                    </p:set>
-                                    <p:animEffect transition="in" filter="wipe(left)">
-                                      <p:cBhvr>
-                                        <p:cTn id="19" dur="500"/>
-                                        <p:tgtEl>
-                                          <p:spTgt spid="3">
-                                            <p:txEl>
-                                              <p:pRg st="2" end="2"/>
-                                            </p:txEl>
-                                          </p:spTgt>
-                                        </p:tgtEl>
-                                      </p:cBhvr>
-                                    </p:animEffect>
-                                  </p:childTnLst>
-                                </p:cTn>
-                              </p:par>
-                            </p:childTnLst>
-                          </p:cTn>
-                        </p:par>
-                        <p:par>
-                          <p:cTn id="20" fill="hold">
-                            <p:stCondLst>
-                              <p:cond delay="3000"/>
-                            </p:stCondLst>
-                            <p:childTnLst>
-                              <p:par>
-                                <p:cTn id="21" presetID="22" presetClass="entr" presetSubtype="8" fill="hold" nodeType="afterEffect">
-                                  <p:stCondLst>
-                                    <p:cond delay="750"/>
-                                  </p:stCondLst>
-                                  <p:childTnLst>
-                                    <p:set>
-                                      <p:cBhvr>
-                                        <p:cTn id="22" dur="1" fill="hold">
-                                          <p:stCondLst>
-                                            <p:cond delay="0"/>
-                                          </p:stCondLst>
-                                        </p:cTn>
-                                        <p:tgtEl>
-                                          <p:spTgt spid="3">
-                                            <p:txEl>
-                                              <p:pRg st="4" end="4"/>
-                                            </p:txEl>
-                                          </p:spTgt>
-                                        </p:tgtEl>
-                                        <p:attrNameLst>
-                                          <p:attrName>style.visibility</p:attrName>
-                                        </p:attrNameLst>
-                                      </p:cBhvr>
-                                      <p:to>
-                                        <p:strVal val="visible"/>
-                                      </p:to>
-                                    </p:set>
-                                    <p:animEffect transition="in" filter="wipe(left)">
-                                      <p:cBhvr>
-                                        <p:cTn id="23" dur="500"/>
-                                        <p:tgtEl>
-                                          <p:spTgt spid="3">
-                                            <p:txEl>
-                                              <p:pRg st="4" end="4"/>
-                                            </p:txEl>
-                                          </p:spTgt>
-                                        </p:tgtEl>
-                                      </p:cBhvr>
-                                    </p:animEffect>
-                                  </p:childTnLst>
-                                </p:cTn>
-                              </p:par>
-                            </p:childTnLst>
-                          </p:cTn>
-                        </p:par>
-                      </p:childTnLst>
-                    </p:cTn>
-                  </p:par>
-                </p:childTnLst>
-              </p:cTn>
-              <p:prevCondLst>
-                <p:cond evt="onPrev" delay="0">
-                  <p:tgtEl>
-                    <p:sldTgt/>
-                  </p:tgtEl>
-                </p:cond>
-              </p:prevCondLst>
-              <p:nextCondLst>
-                <p:cond evt="onNext" delay="0">
-                  <p:tgtEl>
-                    <p:sldTgt/>
-                  </p:tgtEl>
-                </p:cond>
-              </p:nextCondLst>
-            </p:seq>
-          </p:childTnLst>
-        </p:cTn>
-      </p:par>
-    </p:tnLst>
-    <p:bldLst>
-      <p:bldP spid="2" grpId="0"/>
-    </p:bldLst>
-  </p:timing>
-</p:sld>
-</file>
-
-<file path=ppt/slides/slide6.xml><?xml version="1.0" encoding="utf-8"?>
+<file path=ppt/slides/slide7.xml><?xml version="1.0" encoding="utf-8"?>
 <p:sld xmlns:a="http://schemas.openxmlformats.org/drawingml/2006/main" xmlns:r="http://schemas.openxmlformats.org/officeDocument/2006/relationships" xmlns:p="http://schemas.openxmlformats.org/presentationml/2006/main">
   <p:cSld>
     <p:spTree>
